--- a/Docs/ERD's (Draft).pptx
+++ b/Docs/ERD's (Draft).pptx
@@ -7,6 +7,12 @@
   <p:sldIdLst>
     <p:sldId id="256" r:id="rId2"/>
     <p:sldId id="257" r:id="rId3"/>
+    <p:sldId id="259" r:id="rId4"/>
+    <p:sldId id="260" r:id="rId5"/>
+    <p:sldId id="261" r:id="rId6"/>
+    <p:sldId id="262" r:id="rId7"/>
+    <p:sldId id="258" r:id="rId8"/>
+    <p:sldId id="263" r:id="rId9"/>
   </p:sldIdLst>
   <p:sldSz cx="12192000" cy="6858000"/>
   <p:notesSz cx="6858000" cy="9144000"/>
@@ -260,7 +266,7 @@
           <a:p>
             <a:fld id="{0317081E-9E7F-4175-9A11-384ED803412C}" type="datetimeFigureOut">
               <a:rPr lang="en-US" smtClean="0"/>
-              <a:t>9/1/2018</a:t>
+              <a:t>9/4/2018</a:t>
             </a:fld>
             <a:endParaRPr lang="en-US"/>
           </a:p>
@@ -458,7 +464,7 @@
           <a:p>
             <a:fld id="{0317081E-9E7F-4175-9A11-384ED803412C}" type="datetimeFigureOut">
               <a:rPr lang="en-US" smtClean="0"/>
-              <a:t>9/1/2018</a:t>
+              <a:t>9/4/2018</a:t>
             </a:fld>
             <a:endParaRPr lang="en-US"/>
           </a:p>
@@ -666,7 +672,7 @@
           <a:p>
             <a:fld id="{0317081E-9E7F-4175-9A11-384ED803412C}" type="datetimeFigureOut">
               <a:rPr lang="en-US" smtClean="0"/>
-              <a:t>9/1/2018</a:t>
+              <a:t>9/4/2018</a:t>
             </a:fld>
             <a:endParaRPr lang="en-US"/>
           </a:p>
@@ -864,7 +870,7 @@
           <a:p>
             <a:fld id="{0317081E-9E7F-4175-9A11-384ED803412C}" type="datetimeFigureOut">
               <a:rPr lang="en-US" smtClean="0"/>
-              <a:t>9/1/2018</a:t>
+              <a:t>9/4/2018</a:t>
             </a:fld>
             <a:endParaRPr lang="en-US"/>
           </a:p>
@@ -1139,7 +1145,7 @@
           <a:p>
             <a:fld id="{0317081E-9E7F-4175-9A11-384ED803412C}" type="datetimeFigureOut">
               <a:rPr lang="en-US" smtClean="0"/>
-              <a:t>9/1/2018</a:t>
+              <a:t>9/4/2018</a:t>
             </a:fld>
             <a:endParaRPr lang="en-US"/>
           </a:p>
@@ -1404,7 +1410,7 @@
           <a:p>
             <a:fld id="{0317081E-9E7F-4175-9A11-384ED803412C}" type="datetimeFigureOut">
               <a:rPr lang="en-US" smtClean="0"/>
-              <a:t>9/1/2018</a:t>
+              <a:t>9/4/2018</a:t>
             </a:fld>
             <a:endParaRPr lang="en-US"/>
           </a:p>
@@ -1816,7 +1822,7 @@
           <a:p>
             <a:fld id="{0317081E-9E7F-4175-9A11-384ED803412C}" type="datetimeFigureOut">
               <a:rPr lang="en-US" smtClean="0"/>
-              <a:t>9/1/2018</a:t>
+              <a:t>9/4/2018</a:t>
             </a:fld>
             <a:endParaRPr lang="en-US"/>
           </a:p>
@@ -1957,7 +1963,7 @@
           <a:p>
             <a:fld id="{0317081E-9E7F-4175-9A11-384ED803412C}" type="datetimeFigureOut">
               <a:rPr lang="en-US" smtClean="0"/>
-              <a:t>9/1/2018</a:t>
+              <a:t>9/4/2018</a:t>
             </a:fld>
             <a:endParaRPr lang="en-US"/>
           </a:p>
@@ -2070,7 +2076,7 @@
           <a:p>
             <a:fld id="{0317081E-9E7F-4175-9A11-384ED803412C}" type="datetimeFigureOut">
               <a:rPr lang="en-US" smtClean="0"/>
-              <a:t>9/1/2018</a:t>
+              <a:t>9/4/2018</a:t>
             </a:fld>
             <a:endParaRPr lang="en-US"/>
           </a:p>
@@ -2381,7 +2387,7 @@
           <a:p>
             <a:fld id="{0317081E-9E7F-4175-9A11-384ED803412C}" type="datetimeFigureOut">
               <a:rPr lang="en-US" smtClean="0"/>
-              <a:t>9/1/2018</a:t>
+              <a:t>9/4/2018</a:t>
             </a:fld>
             <a:endParaRPr lang="en-US"/>
           </a:p>
@@ -2669,7 +2675,7 @@
           <a:p>
             <a:fld id="{0317081E-9E7F-4175-9A11-384ED803412C}" type="datetimeFigureOut">
               <a:rPr lang="en-US" smtClean="0"/>
-              <a:t>9/1/2018</a:t>
+              <a:t>9/4/2018</a:t>
             </a:fld>
             <a:endParaRPr lang="en-US"/>
           </a:p>
@@ -2910,7 +2916,7 @@
           <a:p>
             <a:fld id="{0317081E-9E7F-4175-9A11-384ED803412C}" type="datetimeFigureOut">
               <a:rPr lang="en-US" smtClean="0"/>
-              <a:t>9/1/2018</a:t>
+              <a:t>9/4/2018</a:t>
             </a:fld>
             <a:endParaRPr lang="en-US"/>
           </a:p>
@@ -3516,10 +3522,10 @@
       </p:sp>
       <p:sp>
         <p:nvSpPr>
-          <p:cNvPr id="82" name="Rectangle 81">
-            <a:extLst>
-              <a:ext uri="{FF2B5EF4-FFF2-40B4-BE49-F238E27FC236}">
-                <a16:creationId xmlns:a16="http://schemas.microsoft.com/office/drawing/2014/main" id="{95FB14D1-8EE4-46B6-9D14-F80261A58D9C}"/>
+          <p:cNvPr id="83" name="Rectangle 82">
+            <a:extLst>
+              <a:ext uri="{FF2B5EF4-FFF2-40B4-BE49-F238E27FC236}">
+                <a16:creationId xmlns:a16="http://schemas.microsoft.com/office/drawing/2014/main" id="{02BD7769-7954-4F45-A3F5-834F23565C75}"/>
               </a:ext>
             </a:extLst>
           </p:cNvPr>
@@ -3528,8 +3534,8 @@
         </p:nvSpPr>
         <p:spPr>
           <a:xfrm>
-            <a:off x="9219052" y="2889086"/>
-            <a:ext cx="2784451" cy="845651"/>
+            <a:off x="4704346" y="144919"/>
+            <a:ext cx="2784451" cy="474387"/>
           </a:xfrm>
           <a:prstGeom prst="rect">
             <a:avLst/>
@@ -3570,44 +3576,17 @@
                   <a:schemeClr val="tx1"/>
                 </a:solidFill>
               </a:rPr>
-              <a:t>Id (int)</a:t>
-            </a:r>
-          </a:p>
-          <a:p>
-            <a:pPr algn="ctr"/>
-            <a:r>
-              <a:rPr lang="en-US" dirty="0">
-                <a:solidFill>
-                  <a:schemeClr val="tx1"/>
-                </a:solidFill>
-              </a:rPr>
-              <a:t>Description (</a:t>
-            </a:r>
-            <a:r>
-              <a:rPr lang="en-US" dirty="0" err="1">
-                <a:solidFill>
-                  <a:schemeClr val="tx1"/>
-                </a:solidFill>
-              </a:rPr>
-              <a:t>nvarchar</a:t>
-            </a:r>
-            <a:r>
-              <a:rPr lang="en-US" dirty="0">
-                <a:solidFill>
-                  <a:schemeClr val="tx1"/>
-                </a:solidFill>
-              </a:rPr>
-              <a:t>(64))</a:t>
-            </a:r>
-          </a:p>
-        </p:txBody>
-      </p:sp>
-      <p:sp>
-        <p:nvSpPr>
-          <p:cNvPr id="83" name="Rectangle 82">
-            <a:extLst>
-              <a:ext uri="{FF2B5EF4-FFF2-40B4-BE49-F238E27FC236}">
-                <a16:creationId xmlns:a16="http://schemas.microsoft.com/office/drawing/2014/main" id="{02BD7769-7954-4F45-A3F5-834F23565C75}"/>
+              <a:t>Users</a:t>
+            </a:r>
+          </a:p>
+        </p:txBody>
+      </p:sp>
+      <p:sp>
+        <p:nvSpPr>
+          <p:cNvPr id="89" name="Rectangle 88">
+            <a:extLst>
+              <a:ext uri="{FF2B5EF4-FFF2-40B4-BE49-F238E27FC236}">
+                <a16:creationId xmlns:a16="http://schemas.microsoft.com/office/drawing/2014/main" id="{C0B9943B-8FA2-41F3-A8A0-AE6ADF2688F3}"/>
               </a:ext>
             </a:extLst>
           </p:cNvPr>
@@ -3616,7 +3595,7 @@
         </p:nvSpPr>
         <p:spPr>
           <a:xfrm>
-            <a:off x="4704346" y="144919"/>
+            <a:off x="4703774" y="4444269"/>
             <a:ext cx="2784451" cy="474387"/>
           </a:xfrm>
           <a:prstGeom prst="rect">
@@ -3658,17 +3637,17 @@
                   <a:schemeClr val="tx1"/>
                 </a:solidFill>
               </a:rPr>
-              <a:t>Users</a:t>
-            </a:r>
-          </a:p>
-        </p:txBody>
-      </p:sp>
-      <p:sp>
-        <p:nvSpPr>
-          <p:cNvPr id="84" name="Rectangle 83">
-            <a:extLst>
-              <a:ext uri="{FF2B5EF4-FFF2-40B4-BE49-F238E27FC236}">
-                <a16:creationId xmlns:a16="http://schemas.microsoft.com/office/drawing/2014/main" id="{6D53FAE9-30CB-499C-9FE0-C3440FACB324}"/>
+              <a:t>Universities</a:t>
+            </a:r>
+          </a:p>
+        </p:txBody>
+      </p:sp>
+      <p:sp>
+        <p:nvSpPr>
+          <p:cNvPr id="93" name="Rectangle 92">
+            <a:extLst>
+              <a:ext uri="{FF2B5EF4-FFF2-40B4-BE49-F238E27FC236}">
+                <a16:creationId xmlns:a16="http://schemas.microsoft.com/office/drawing/2014/main" id="{71BD62E6-4DC4-472A-89E2-7AFB99F3E23C}"/>
               </a:ext>
             </a:extLst>
           </p:cNvPr>
@@ -3677,8 +3656,8 @@
         </p:nvSpPr>
         <p:spPr>
           <a:xfrm>
-            <a:off x="4703774" y="607918"/>
-            <a:ext cx="2784451" cy="1768853"/>
+            <a:off x="339858" y="4953573"/>
+            <a:ext cx="2784451" cy="474387"/>
           </a:xfrm>
           <a:prstGeom prst="rect">
             <a:avLst/>
@@ -3719,141 +3698,17 @@
                   <a:schemeClr val="tx1"/>
                 </a:solidFill>
               </a:rPr>
-              <a:t>Id (</a:t>
-            </a:r>
-            <a:r>
-              <a:rPr lang="en-US" dirty="0" err="1">
-                <a:solidFill>
-                  <a:schemeClr val="tx1"/>
-                </a:solidFill>
-              </a:rPr>
-              <a:t>uniqueidentifier</a:t>
-            </a:r>
-            <a:r>
-              <a:rPr lang="en-US" dirty="0">
-                <a:solidFill>
-                  <a:schemeClr val="tx1"/>
-                </a:solidFill>
-              </a:rPr>
-              <a:t>)</a:t>
-            </a:r>
-          </a:p>
-          <a:p>
-            <a:pPr algn="ctr"/>
-            <a:r>
-              <a:rPr lang="en-US" dirty="0">
-                <a:solidFill>
-                  <a:schemeClr val="tx1"/>
-                </a:solidFill>
-              </a:rPr>
-              <a:t>Username (</a:t>
-            </a:r>
-            <a:r>
-              <a:rPr lang="en-US" dirty="0" err="1">
-                <a:solidFill>
-                  <a:schemeClr val="tx1"/>
-                </a:solidFill>
-              </a:rPr>
-              <a:t>nvarchar</a:t>
-            </a:r>
-            <a:r>
-              <a:rPr lang="en-US" dirty="0">
-                <a:solidFill>
-                  <a:schemeClr val="tx1"/>
-                </a:solidFill>
-              </a:rPr>
-              <a:t>(256))</a:t>
-            </a:r>
-          </a:p>
-          <a:p>
-            <a:pPr algn="ctr"/>
-            <a:r>
-              <a:rPr lang="en-US" dirty="0">
-                <a:solidFill>
-                  <a:schemeClr val="tx1"/>
-                </a:solidFill>
-              </a:rPr>
-              <a:t>Password (</a:t>
-            </a:r>
-            <a:r>
-              <a:rPr lang="en-US" dirty="0" err="1">
-                <a:solidFill>
-                  <a:schemeClr val="tx1"/>
-                </a:solidFill>
-              </a:rPr>
-              <a:t>nvarchar</a:t>
-            </a:r>
-            <a:r>
-              <a:rPr lang="en-US" dirty="0">
-                <a:solidFill>
-                  <a:schemeClr val="tx1"/>
-                </a:solidFill>
-              </a:rPr>
-              <a:t>(256))</a:t>
-            </a:r>
-          </a:p>
-          <a:p>
-            <a:pPr algn="ctr"/>
-            <a:r>
-              <a:rPr lang="en-US" dirty="0" err="1">
-                <a:solidFill>
-                  <a:schemeClr val="tx1"/>
-                </a:solidFill>
-              </a:rPr>
-              <a:t>UserTypeId</a:t>
-            </a:r>
-            <a:r>
-              <a:rPr lang="en-US" dirty="0">
-                <a:solidFill>
-                  <a:schemeClr val="tx1"/>
-                </a:solidFill>
-              </a:rPr>
-              <a:t> (int)</a:t>
-            </a:r>
-          </a:p>
-          <a:p>
-            <a:pPr algn="ctr"/>
-            <a:r>
-              <a:rPr lang="en-US" dirty="0">
-                <a:solidFill>
-                  <a:schemeClr val="tx1"/>
-                </a:solidFill>
-              </a:rPr>
-              <a:t>Name (</a:t>
-            </a:r>
-            <a:r>
-              <a:rPr lang="en-US" dirty="0" err="1">
-                <a:solidFill>
-                  <a:schemeClr val="tx1"/>
-                </a:solidFill>
-              </a:rPr>
-              <a:t>nvarchar</a:t>
-            </a:r>
-            <a:r>
-              <a:rPr lang="en-US" dirty="0">
-                <a:solidFill>
-                  <a:schemeClr val="tx1"/>
-                </a:solidFill>
-              </a:rPr>
-              <a:t>(128))</a:t>
-            </a:r>
-          </a:p>
-          <a:p>
-            <a:pPr algn="ctr"/>
-            <a:endParaRPr lang="en-US" dirty="0">
-              <a:solidFill>
-                <a:schemeClr val="tx1"/>
-              </a:solidFill>
-            </a:endParaRPr>
-          </a:p>
-        </p:txBody>
-      </p:sp>
-      <p:sp>
-        <p:nvSpPr>
-          <p:cNvPr id="89" name="Rectangle 88">
-            <a:extLst>
-              <a:ext uri="{FF2B5EF4-FFF2-40B4-BE49-F238E27FC236}">
-                <a16:creationId xmlns:a16="http://schemas.microsoft.com/office/drawing/2014/main" id="{C0B9943B-8FA2-41F3-A8A0-AE6ADF2688F3}"/>
+              <a:t>Locations</a:t>
+            </a:r>
+          </a:p>
+        </p:txBody>
+      </p:sp>
+      <p:sp>
+        <p:nvSpPr>
+          <p:cNvPr id="95" name="Rectangle 94">
+            <a:extLst>
+              <a:ext uri="{FF2B5EF4-FFF2-40B4-BE49-F238E27FC236}">
+                <a16:creationId xmlns:a16="http://schemas.microsoft.com/office/drawing/2014/main" id="{6BC8E820-04A4-4933-B924-6429D35BAA55}"/>
               </a:ext>
             </a:extLst>
           </p:cNvPr>
@@ -3862,7 +3717,7 @@
         </p:nvSpPr>
         <p:spPr>
           <a:xfrm>
-            <a:off x="4703774" y="4444269"/>
+            <a:off x="9219051" y="400021"/>
             <a:ext cx="2784451" cy="474387"/>
           </a:xfrm>
           <a:prstGeom prst="rect">
@@ -3899,22 +3754,27 @@
           <a:p>
             <a:pPr algn="ctr"/>
             <a:r>
-              <a:rPr lang="en-US" dirty="0">
-                <a:solidFill>
-                  <a:schemeClr val="tx1"/>
-                </a:solidFill>
-              </a:rPr>
-              <a:t>Universities</a:t>
-            </a:r>
-          </a:p>
-        </p:txBody>
-      </p:sp>
-      <p:sp>
-        <p:nvSpPr>
-          <p:cNvPr id="90" name="Rectangle 89">
-            <a:extLst>
-              <a:ext uri="{FF2B5EF4-FFF2-40B4-BE49-F238E27FC236}">
-                <a16:creationId xmlns:a16="http://schemas.microsoft.com/office/drawing/2014/main" id="{BBE61695-44F7-4104-BE77-C89D91CAF983}"/>
+              <a:rPr lang="en-US" dirty="0" err="1">
+                <a:solidFill>
+                  <a:schemeClr val="tx1"/>
+                </a:solidFill>
+              </a:rPr>
+              <a:t>UserUniversity</a:t>
+            </a:r>
+            <a:endParaRPr lang="en-US" dirty="0">
+              <a:solidFill>
+                <a:schemeClr val="tx1"/>
+              </a:solidFill>
+            </a:endParaRPr>
+          </a:p>
+        </p:txBody>
+      </p:sp>
+      <p:sp>
+        <p:nvSpPr>
+          <p:cNvPr id="97" name="Rectangle 96">
+            <a:extLst>
+              <a:ext uri="{FF2B5EF4-FFF2-40B4-BE49-F238E27FC236}">
+                <a16:creationId xmlns:a16="http://schemas.microsoft.com/office/drawing/2014/main" id="{777EEBFD-A642-4563-BEBC-24D536F3CFD0}"/>
               </a:ext>
             </a:extLst>
           </p:cNvPr>
@@ -3923,8 +3783,8 @@
         </p:nvSpPr>
         <p:spPr>
           <a:xfrm>
-            <a:off x="4703776" y="4918656"/>
-            <a:ext cx="2784449" cy="1859333"/>
+            <a:off x="341002" y="517684"/>
+            <a:ext cx="2784451" cy="474387"/>
           </a:xfrm>
           <a:prstGeom prst="rect">
             <a:avLst/>
@@ -3960,149 +3820,27 @@
           <a:p>
             <a:pPr algn="ctr"/>
             <a:r>
-              <a:rPr lang="en-US" dirty="0">
-                <a:solidFill>
-                  <a:schemeClr val="tx1"/>
-                </a:solidFill>
-              </a:rPr>
-              <a:t>Id (int)</a:t>
-            </a:r>
-          </a:p>
-          <a:p>
-            <a:pPr algn="ctr"/>
-            <a:r>
-              <a:rPr lang="en-US" dirty="0">
-                <a:solidFill>
-                  <a:schemeClr val="tx1"/>
-                </a:solidFill>
-              </a:rPr>
-              <a:t>Name (</a:t>
-            </a:r>
-            <a:r>
               <a:rPr lang="en-US" dirty="0" err="1">
                 <a:solidFill>
                   <a:schemeClr val="tx1"/>
                 </a:solidFill>
               </a:rPr>
-              <a:t>nvarchar</a:t>
-            </a:r>
-            <a:r>
-              <a:rPr lang="en-US" dirty="0">
-                <a:solidFill>
-                  <a:schemeClr val="tx1"/>
-                </a:solidFill>
-              </a:rPr>
-              <a:t>(64))</a:t>
-            </a:r>
-          </a:p>
-          <a:p>
-            <a:pPr algn="ctr"/>
-            <a:r>
-              <a:rPr lang="en-US" dirty="0" err="1">
-                <a:solidFill>
-                  <a:schemeClr val="tx1"/>
-                </a:solidFill>
-              </a:rPr>
-              <a:t>LocationId</a:t>
-            </a:r>
-            <a:r>
-              <a:rPr lang="en-US" dirty="0">
-                <a:solidFill>
-                  <a:schemeClr val="tx1"/>
-                </a:solidFill>
-              </a:rPr>
-              <a:t> (int)</a:t>
-            </a:r>
-          </a:p>
-          <a:p>
-            <a:pPr algn="ctr"/>
-            <a:r>
-              <a:rPr lang="en-US" dirty="0">
-                <a:solidFill>
-                  <a:schemeClr val="tx1"/>
-                </a:solidFill>
-              </a:rPr>
-              <a:t>Description (</a:t>
-            </a:r>
-            <a:r>
-              <a:rPr lang="en-US" dirty="0" err="1">
-                <a:solidFill>
-                  <a:schemeClr val="tx1"/>
-                </a:solidFill>
-              </a:rPr>
-              <a:t>nvarchar</a:t>
-            </a:r>
-            <a:r>
-              <a:rPr lang="en-US" dirty="0">
-                <a:solidFill>
-                  <a:schemeClr val="tx1"/>
-                </a:solidFill>
-              </a:rPr>
-              <a:t>(256))</a:t>
-            </a:r>
-          </a:p>
-          <a:p>
-            <a:pPr algn="ctr"/>
-            <a:r>
-              <a:rPr lang="en-US" dirty="0">
-                <a:solidFill>
-                  <a:schemeClr val="tx1"/>
-                </a:solidFill>
-              </a:rPr>
-              <a:t>Photo (</a:t>
-            </a:r>
-            <a:r>
-              <a:rPr lang="en-US" dirty="0" err="1">
-                <a:solidFill>
-                  <a:schemeClr val="tx1"/>
-                </a:solidFill>
-              </a:rPr>
-              <a:t>varbinary</a:t>
-            </a:r>
-            <a:r>
-              <a:rPr lang="en-US" dirty="0">
-                <a:solidFill>
-                  <a:schemeClr val="tx1"/>
-                </a:solidFill>
-              </a:rPr>
-              <a:t>(max))</a:t>
-            </a:r>
-          </a:p>
-          <a:p>
-            <a:pPr algn="ctr"/>
-            <a:r>
-              <a:rPr lang="en-US" dirty="0">
-                <a:solidFill>
-                  <a:schemeClr val="tx1"/>
-                </a:solidFill>
-              </a:rPr>
-              <a:t># of Students (</a:t>
-            </a:r>
-            <a:r>
-              <a:rPr lang="en-US" dirty="0" err="1">
-                <a:solidFill>
-                  <a:schemeClr val="tx1"/>
-                </a:solidFill>
-              </a:rPr>
-              <a:t>bigint</a:t>
-            </a:r>
-            <a:r>
-              <a:rPr lang="en-US" dirty="0">
-                <a:solidFill>
-                  <a:schemeClr val="tx1"/>
-                </a:solidFill>
-              </a:rPr>
-              <a:t>)</a:t>
-            </a:r>
-          </a:p>
-        </p:txBody>
-      </p:sp>
-      <p:sp>
-        <p:nvSpPr>
-          <p:cNvPr id="93" name="Rectangle 92">
-            <a:extLst>
-              <a:ext uri="{FF2B5EF4-FFF2-40B4-BE49-F238E27FC236}">
-                <a16:creationId xmlns:a16="http://schemas.microsoft.com/office/drawing/2014/main" id="{71BD62E6-4DC4-472A-89E2-7AFB99F3E23C}"/>
+              <a:t>UserEvents</a:t>
+            </a:r>
+            <a:endParaRPr lang="en-US" dirty="0">
+              <a:solidFill>
+                <a:schemeClr val="tx1"/>
+              </a:solidFill>
+            </a:endParaRPr>
+          </a:p>
+        </p:txBody>
+      </p:sp>
+      <p:sp>
+        <p:nvSpPr>
+          <p:cNvPr id="101" name="Rectangle 100">
+            <a:extLst>
+              <a:ext uri="{FF2B5EF4-FFF2-40B4-BE49-F238E27FC236}">
+                <a16:creationId xmlns:a16="http://schemas.microsoft.com/office/drawing/2014/main" id="{BB9D5CAD-5C0F-4CA8-8147-EB7819E46A11}"/>
               </a:ext>
             </a:extLst>
           </p:cNvPr>
@@ -4111,7 +3849,7 @@
         </p:nvSpPr>
         <p:spPr>
           <a:xfrm>
-            <a:off x="339858" y="4953573"/>
+            <a:off x="340430" y="2918303"/>
             <a:ext cx="2784451" cy="474387"/>
           </a:xfrm>
           <a:prstGeom prst="rect">
@@ -4153,17 +3891,17 @@
                   <a:schemeClr val="tx1"/>
                 </a:solidFill>
               </a:rPr>
-              <a:t>Locations</a:t>
-            </a:r>
-          </a:p>
-        </p:txBody>
-      </p:sp>
-      <p:sp>
-        <p:nvSpPr>
-          <p:cNvPr id="94" name="Rectangle 93">
-            <a:extLst>
-              <a:ext uri="{FF2B5EF4-FFF2-40B4-BE49-F238E27FC236}">
-                <a16:creationId xmlns:a16="http://schemas.microsoft.com/office/drawing/2014/main" id="{7254D4BD-2CBA-43DE-8287-4D41D00AD455}"/>
+              <a:t>Privacy</a:t>
+            </a:r>
+          </a:p>
+        </p:txBody>
+      </p:sp>
+      <p:sp>
+        <p:nvSpPr>
+          <p:cNvPr id="17" name="Rectangle 16">
+            <a:extLst>
+              <a:ext uri="{FF2B5EF4-FFF2-40B4-BE49-F238E27FC236}">
+                <a16:creationId xmlns:a16="http://schemas.microsoft.com/office/drawing/2014/main" id="{5EC37761-CBCE-455C-9455-C65C11A42374}"/>
               </a:ext>
             </a:extLst>
           </p:cNvPr>
@@ -4172,8 +3910,8 @@
         </p:nvSpPr>
         <p:spPr>
           <a:xfrm>
-            <a:off x="339860" y="5427961"/>
-            <a:ext cx="2784449" cy="749398"/>
+            <a:off x="4703773" y="2449610"/>
+            <a:ext cx="2784451" cy="474387"/>
           </a:xfrm>
           <a:prstGeom prst="rect">
             <a:avLst/>
@@ -4214,44 +3952,17 @@
                   <a:schemeClr val="tx1"/>
                 </a:solidFill>
               </a:rPr>
-              <a:t>Id (int)</a:t>
-            </a:r>
-          </a:p>
-          <a:p>
-            <a:pPr algn="ctr"/>
-            <a:r>
-              <a:rPr lang="en-US" dirty="0">
-                <a:solidFill>
-                  <a:schemeClr val="tx1"/>
-                </a:solidFill>
-              </a:rPr>
-              <a:t>Description (</a:t>
-            </a:r>
-            <a:r>
-              <a:rPr lang="en-US" dirty="0" err="1">
-                <a:solidFill>
-                  <a:schemeClr val="tx1"/>
-                </a:solidFill>
-              </a:rPr>
-              <a:t>nvarchar</a:t>
-            </a:r>
-            <a:r>
-              <a:rPr lang="en-US" dirty="0">
-                <a:solidFill>
-                  <a:schemeClr val="tx1"/>
-                </a:solidFill>
-              </a:rPr>
-              <a:t>(256))</a:t>
-            </a:r>
-          </a:p>
-        </p:txBody>
-      </p:sp>
-      <p:sp>
-        <p:nvSpPr>
-          <p:cNvPr id="95" name="Rectangle 94">
-            <a:extLst>
-              <a:ext uri="{FF2B5EF4-FFF2-40B4-BE49-F238E27FC236}">
-                <a16:creationId xmlns:a16="http://schemas.microsoft.com/office/drawing/2014/main" id="{6BC8E820-04A4-4933-B924-6429D35BAA55}"/>
+              <a:t>Events</a:t>
+            </a:r>
+          </a:p>
+        </p:txBody>
+      </p:sp>
+      <p:sp>
+        <p:nvSpPr>
+          <p:cNvPr id="32" name="Rectangle 31">
+            <a:extLst>
+              <a:ext uri="{FF2B5EF4-FFF2-40B4-BE49-F238E27FC236}">
+                <a16:creationId xmlns:a16="http://schemas.microsoft.com/office/drawing/2014/main" id="{44512806-C8B1-4E7B-A578-E491EA1A2D6A}"/>
               </a:ext>
             </a:extLst>
           </p:cNvPr>
@@ -4260,7 +3971,7 @@
         </p:nvSpPr>
         <p:spPr>
           <a:xfrm>
-            <a:off x="9219051" y="400021"/>
+            <a:off x="9219051" y="4918656"/>
             <a:ext cx="2784451" cy="474387"/>
           </a:xfrm>
           <a:prstGeom prst="rect">
@@ -4302,7 +4013,7 @@
                   <a:schemeClr val="tx1"/>
                 </a:solidFill>
               </a:rPr>
-              <a:t>UserUniversity</a:t>
+              <a:t>UniversityPhotos</a:t>
             </a:r>
             <a:endParaRPr lang="en-US" dirty="0">
               <a:solidFill>
@@ -4314,10 +4025,10 @@
       </p:sp>
       <p:sp>
         <p:nvSpPr>
-          <p:cNvPr id="96" name="Rectangle 95">
-            <a:extLst>
-              <a:ext uri="{FF2B5EF4-FFF2-40B4-BE49-F238E27FC236}">
-                <a16:creationId xmlns:a16="http://schemas.microsoft.com/office/drawing/2014/main" id="{F60F8CAE-CBFD-42FF-A11B-17435254B6C6}"/>
+          <p:cNvPr id="33" name="Rectangle 32">
+            <a:extLst>
+              <a:ext uri="{FF2B5EF4-FFF2-40B4-BE49-F238E27FC236}">
+                <a16:creationId xmlns:a16="http://schemas.microsoft.com/office/drawing/2014/main" id="{995C50D3-A11E-4FC9-8F64-273DD3500A06}"/>
               </a:ext>
             </a:extLst>
           </p:cNvPr>
@@ -4326,8 +4037,8 @@
         </p:nvSpPr>
         <p:spPr>
           <a:xfrm>
-            <a:off x="9219051" y="874407"/>
-            <a:ext cx="2784451" cy="1280715"/>
+            <a:off x="4674553" y="5806600"/>
+            <a:ext cx="2842889" cy="468693"/>
           </a:xfrm>
           <a:prstGeom prst="rect">
             <a:avLst/>
@@ -4363,76 +4074,27 @@
           <a:p>
             <a:pPr algn="ctr"/>
             <a:r>
-              <a:rPr lang="en-US" dirty="0">
-                <a:solidFill>
-                  <a:schemeClr val="tx1"/>
-                </a:solidFill>
-              </a:rPr>
-              <a:t>Id (int)</a:t>
-            </a:r>
-          </a:p>
-          <a:p>
-            <a:pPr algn="ctr"/>
-            <a:r>
               <a:rPr lang="en-US" dirty="0" err="1">
                 <a:solidFill>
                   <a:schemeClr val="tx1"/>
                 </a:solidFill>
               </a:rPr>
-              <a:t>UserId</a:t>
-            </a:r>
-            <a:r>
-              <a:rPr lang="en-US" dirty="0">
-                <a:solidFill>
-                  <a:schemeClr val="tx1"/>
-                </a:solidFill>
-              </a:rPr>
-              <a:t> (</a:t>
-            </a:r>
-            <a:r>
-              <a:rPr lang="en-US" dirty="0" err="1">
-                <a:solidFill>
-                  <a:schemeClr val="tx1"/>
-                </a:solidFill>
-              </a:rPr>
-              <a:t>uniqueidentifier</a:t>
-            </a:r>
-            <a:r>
-              <a:rPr lang="en-US" dirty="0">
-                <a:solidFill>
-                  <a:schemeClr val="tx1"/>
-                </a:solidFill>
-              </a:rPr>
-              <a:t>)</a:t>
-            </a:r>
-          </a:p>
-          <a:p>
-            <a:pPr algn="ctr"/>
-            <a:r>
-              <a:rPr lang="en-US" dirty="0" err="1">
-                <a:solidFill>
-                  <a:schemeClr val="tx1"/>
-                </a:solidFill>
-              </a:rPr>
-              <a:t>UniveristyId</a:t>
-            </a:r>
-            <a:r>
-              <a:rPr lang="en-US" dirty="0">
-                <a:solidFill>
-                  <a:schemeClr val="tx1"/>
-                </a:solidFill>
-              </a:rPr>
-              <a:t> (int)</a:t>
-            </a:r>
-          </a:p>
-        </p:txBody>
-      </p:sp>
-      <p:sp>
-        <p:nvSpPr>
-          <p:cNvPr id="97" name="Rectangle 96">
-            <a:extLst>
-              <a:ext uri="{FF2B5EF4-FFF2-40B4-BE49-F238E27FC236}">
-                <a16:creationId xmlns:a16="http://schemas.microsoft.com/office/drawing/2014/main" id="{777EEBFD-A642-4563-BEBC-24D536F3CFD0}"/>
+              <a:t>EventComments</a:t>
+            </a:r>
+            <a:endParaRPr lang="en-US" dirty="0">
+              <a:solidFill>
+                <a:schemeClr val="tx1"/>
+              </a:solidFill>
+            </a:endParaRPr>
+          </a:p>
+        </p:txBody>
+      </p:sp>
+      <p:sp>
+        <p:nvSpPr>
+          <p:cNvPr id="34" name="Rectangle 33">
+            <a:extLst>
+              <a:ext uri="{FF2B5EF4-FFF2-40B4-BE49-F238E27FC236}">
+                <a16:creationId xmlns:a16="http://schemas.microsoft.com/office/drawing/2014/main" id="{852D2C42-1AD6-4A89-852E-6DD5D936FEEA}"/>
               </a:ext>
             </a:extLst>
           </p:cNvPr>
@@ -4441,7 +4103,7 @@
         </p:nvSpPr>
         <p:spPr>
           <a:xfrm>
-            <a:off x="341002" y="517684"/>
+            <a:off x="6722499" y="3539836"/>
             <a:ext cx="2784451" cy="474387"/>
           </a:xfrm>
           <a:prstGeom prst="rect">
@@ -4483,7 +4145,7 @@
                   <a:schemeClr val="tx1"/>
                 </a:solidFill>
               </a:rPr>
-              <a:t>UserEvents</a:t>
+              <a:t>UserRso</a:t>
             </a:r>
             <a:endParaRPr lang="en-US" dirty="0">
               <a:solidFill>
@@ -4495,10 +4157,10 @@
       </p:sp>
       <p:sp>
         <p:nvSpPr>
-          <p:cNvPr id="98" name="Rectangle 97">
-            <a:extLst>
-              <a:ext uri="{FF2B5EF4-FFF2-40B4-BE49-F238E27FC236}">
-                <a16:creationId xmlns:a16="http://schemas.microsoft.com/office/drawing/2014/main" id="{6025EABB-81F6-4512-B811-9BB613453A5A}"/>
+          <p:cNvPr id="35" name="Rectangle 34">
+            <a:extLst>
+              <a:ext uri="{FF2B5EF4-FFF2-40B4-BE49-F238E27FC236}">
+                <a16:creationId xmlns:a16="http://schemas.microsoft.com/office/drawing/2014/main" id="{5132D580-AFAF-4046-A55A-F930CB3924F1}"/>
               </a:ext>
             </a:extLst>
           </p:cNvPr>
@@ -4507,8 +4169,8 @@
         </p:nvSpPr>
         <p:spPr>
           <a:xfrm>
-            <a:off x="340430" y="992071"/>
-            <a:ext cx="2784451" cy="1383614"/>
+            <a:off x="3075499" y="3539836"/>
+            <a:ext cx="2784451" cy="474387"/>
           </a:xfrm>
           <a:prstGeom prst="rect">
             <a:avLst/>
@@ -4544,70 +4206,13 @@
           <a:p>
             <a:pPr algn="ctr"/>
             <a:r>
-              <a:rPr lang="en-US" dirty="0">
-                <a:solidFill>
-                  <a:schemeClr val="tx1"/>
-                </a:solidFill>
-              </a:rPr>
-              <a:t>Id (int)</a:t>
-            </a:r>
-          </a:p>
-          <a:p>
-            <a:pPr algn="ctr"/>
-            <a:r>
               <a:rPr lang="en-US" dirty="0" err="1">
                 <a:solidFill>
                   <a:schemeClr val="tx1"/>
                 </a:solidFill>
               </a:rPr>
-              <a:t>UserId</a:t>
-            </a:r>
-            <a:r>
-              <a:rPr lang="en-US" dirty="0">
-                <a:solidFill>
-                  <a:schemeClr val="tx1"/>
-                </a:solidFill>
-              </a:rPr>
-              <a:t> (</a:t>
-            </a:r>
-            <a:r>
-              <a:rPr lang="en-US" dirty="0" err="1">
-                <a:solidFill>
-                  <a:schemeClr val="tx1"/>
-                </a:solidFill>
-              </a:rPr>
-              <a:t>uniqueidentifier</a:t>
-            </a:r>
-            <a:r>
-              <a:rPr lang="en-US" dirty="0">
-                <a:solidFill>
-                  <a:schemeClr val="tx1"/>
-                </a:solidFill>
-              </a:rPr>
-              <a:t>)</a:t>
-            </a:r>
-          </a:p>
-          <a:p>
-            <a:pPr algn="ctr"/>
-            <a:r>
-              <a:rPr lang="en-US" dirty="0" err="1">
-                <a:solidFill>
-                  <a:schemeClr val="tx1"/>
-                </a:solidFill>
-              </a:rPr>
-              <a:t>EventId</a:t>
-            </a:r>
-            <a:r>
-              <a:rPr lang="en-US" dirty="0">
-                <a:solidFill>
-                  <a:schemeClr val="tx1"/>
-                </a:solidFill>
-              </a:rPr>
-              <a:t> (int)</a:t>
-            </a:r>
-          </a:p>
-          <a:p>
-            <a:pPr algn="ctr"/>
+              <a:t>Rso</a:t>
+            </a:r>
             <a:endParaRPr lang="en-US" dirty="0">
               <a:solidFill>
                 <a:schemeClr val="tx1"/>
@@ -4616,12 +4221,77 @@
           </a:p>
         </p:txBody>
       </p:sp>
-      <p:sp>
-        <p:nvSpPr>
-          <p:cNvPr id="101" name="Rectangle 100">
-            <a:extLst>
-              <a:ext uri="{FF2B5EF4-FFF2-40B4-BE49-F238E27FC236}">
-                <a16:creationId xmlns:a16="http://schemas.microsoft.com/office/drawing/2014/main" id="{BB9D5CAD-5C0F-4CA8-8147-EB7819E46A11}"/>
+    </p:spTree>
+    <p:extLst>
+      <p:ext uri="{BB962C8B-B14F-4D97-AF65-F5344CB8AC3E}">
+        <p14:creationId xmlns:p14="http://schemas.microsoft.com/office/powerpoint/2010/main" val="4197131243"/>
+      </p:ext>
+    </p:extLst>
+  </p:cSld>
+  <p:clrMapOvr>
+    <a:masterClrMapping/>
+  </p:clrMapOvr>
+</p:sld>
+</file>
+
+<file path=ppt/slides/slide3.xml><?xml version="1.0" encoding="utf-8"?>
+<p:sld xmlns:a="http://schemas.openxmlformats.org/drawingml/2006/main" xmlns:r="http://schemas.openxmlformats.org/officeDocument/2006/relationships" xmlns:p="http://schemas.openxmlformats.org/presentationml/2006/main">
+  <p:cSld>
+    <p:spTree>
+      <p:nvGrpSpPr>
+        <p:cNvPr id="1" name=""/>
+        <p:cNvGrpSpPr/>
+        <p:nvPr/>
+      </p:nvGrpSpPr>
+      <p:grpSpPr>
+        <a:xfrm>
+          <a:off x="0" y="0"/>
+          <a:ext cx="0" cy="0"/>
+          <a:chOff x="0" y="0"/>
+          <a:chExt cx="0" cy="0"/>
+        </a:xfrm>
+      </p:grpSpPr>
+      <p:sp>
+        <p:nvSpPr>
+          <p:cNvPr id="4" name="TextBox 3">
+            <a:extLst>
+              <a:ext uri="{FF2B5EF4-FFF2-40B4-BE49-F238E27FC236}">
+                <a16:creationId xmlns:a16="http://schemas.microsoft.com/office/drawing/2014/main" id="{17A561CB-E81F-41E1-BBA5-0CFAA7275D13}"/>
+              </a:ext>
+            </a:extLst>
+          </p:cNvPr>
+          <p:cNvSpPr txBox="1"/>
+          <p:nvPr/>
+        </p:nvSpPr>
+        <p:spPr>
+          <a:xfrm>
+            <a:off x="9982773" y="0"/>
+            <a:ext cx="2209228" cy="369332"/>
+          </a:xfrm>
+          <a:prstGeom prst="rect">
+            <a:avLst/>
+          </a:prstGeom>
+          <a:noFill/>
+        </p:spPr>
+        <p:txBody>
+          <a:bodyPr wrap="square" rtlCol="0">
+            <a:spAutoFit/>
+          </a:bodyPr>
+          <a:lstStyle/>
+          <a:p>
+            <a:r>
+              <a:rPr lang="en-US" dirty="0"/>
+              <a:t>Account Information</a:t>
+            </a:r>
+          </a:p>
+        </p:txBody>
+      </p:sp>
+      <p:sp>
+        <p:nvSpPr>
+          <p:cNvPr id="5" name="Rectangle 4">
+            <a:extLst>
+              <a:ext uri="{FF2B5EF4-FFF2-40B4-BE49-F238E27FC236}">
+                <a16:creationId xmlns:a16="http://schemas.microsoft.com/office/drawing/2014/main" id="{3ED9D385-8C6D-4453-BA6D-A0B4E130299F}"/>
               </a:ext>
             </a:extLst>
           </p:cNvPr>
@@ -4630,7 +4300,7 @@
         </p:nvSpPr>
         <p:spPr>
           <a:xfrm>
-            <a:off x="340430" y="2918303"/>
+            <a:off x="4594343" y="1723742"/>
             <a:ext cx="2784451" cy="474387"/>
           </a:xfrm>
           <a:prstGeom prst="rect">
@@ -4672,17 +4342,17 @@
                   <a:schemeClr val="tx1"/>
                 </a:solidFill>
               </a:rPr>
-              <a:t>Privacy</a:t>
-            </a:r>
-          </a:p>
-        </p:txBody>
-      </p:sp>
-      <p:sp>
-        <p:nvSpPr>
-          <p:cNvPr id="102" name="Rectangle 101">
-            <a:extLst>
-              <a:ext uri="{FF2B5EF4-FFF2-40B4-BE49-F238E27FC236}">
-                <a16:creationId xmlns:a16="http://schemas.microsoft.com/office/drawing/2014/main" id="{2C7CB5EF-4C28-4644-BD3B-F0941993CE13}"/>
+              <a:t>Users</a:t>
+            </a:r>
+          </a:p>
+        </p:txBody>
+      </p:sp>
+      <p:sp>
+        <p:nvSpPr>
+          <p:cNvPr id="6" name="Rectangle 5">
+            <a:extLst>
+              <a:ext uri="{FF2B5EF4-FFF2-40B4-BE49-F238E27FC236}">
+                <a16:creationId xmlns:a16="http://schemas.microsoft.com/office/drawing/2014/main" id="{539847CC-348B-4A6C-983F-FA9B7F7B4C5A}"/>
               </a:ext>
             </a:extLst>
           </p:cNvPr>
@@ -4691,8 +4361,8 @@
         </p:nvSpPr>
         <p:spPr>
           <a:xfrm>
-            <a:off x="339858" y="3381303"/>
-            <a:ext cx="2784451" cy="926413"/>
+            <a:off x="4593771" y="2186741"/>
+            <a:ext cx="2784451" cy="1768853"/>
           </a:xfrm>
           <a:prstGeom prst="rect">
             <a:avLst/>
@@ -4733,18 +4403,34 @@
                   <a:schemeClr val="tx1"/>
                 </a:solidFill>
               </a:rPr>
-              <a:t>Id (int)</a:t>
-            </a:r>
-          </a:p>
-          <a:p>
-            <a:pPr algn="ctr"/>
+              <a:t>Id (</a:t>
+            </a:r>
+            <a:r>
+              <a:rPr lang="en-US" dirty="0" err="1">
+                <a:solidFill>
+                  <a:schemeClr val="tx1"/>
+                </a:solidFill>
+              </a:rPr>
+              <a:t>uniqueidentifier</a:t>
+            </a:r>
             <a:r>
               <a:rPr lang="en-US" dirty="0">
                 <a:solidFill>
                   <a:schemeClr val="tx1"/>
                 </a:solidFill>
               </a:rPr>
-              <a:t>Description (</a:t>
+              <a:t>)</a:t>
+            </a:r>
+          </a:p>
+          <a:p>
+            <a:pPr algn="ctr"/>
+            <a:r>
+              <a:rPr lang="en-US" dirty="0">
+                <a:solidFill>
+                  <a:schemeClr val="tx1"/>
+                </a:solidFill>
+              </a:rPr>
+              <a:t>Username (</a:t>
             </a:r>
             <a:r>
               <a:rPr lang="en-US" dirty="0" err="1">
@@ -4760,7 +4446,80 @@
                   <a:schemeClr val="tx1"/>
                 </a:solidFill>
               </a:rPr>
-              <a:t>(64))</a:t>
+              <a:t>(256))</a:t>
+            </a:r>
+          </a:p>
+          <a:p>
+            <a:pPr algn="ctr"/>
+            <a:r>
+              <a:rPr lang="en-US" dirty="0">
+                <a:solidFill>
+                  <a:schemeClr val="tx1"/>
+                </a:solidFill>
+              </a:rPr>
+              <a:t>Password (</a:t>
+            </a:r>
+            <a:r>
+              <a:rPr lang="en-US" dirty="0" err="1">
+                <a:solidFill>
+                  <a:schemeClr val="tx1"/>
+                </a:solidFill>
+              </a:rPr>
+              <a:t>nvarchar</a:t>
+            </a:r>
+            <a:r>
+              <a:rPr lang="en-US" dirty="0">
+                <a:solidFill>
+                  <a:schemeClr val="tx1"/>
+                </a:solidFill>
+              </a:rPr>
+              <a:t>(256))</a:t>
+            </a:r>
+          </a:p>
+          <a:p>
+            <a:pPr algn="ctr"/>
+            <a:r>
+              <a:rPr lang="en-US" b="1" dirty="0" err="1">
+                <a:solidFill>
+                  <a:schemeClr val="tx1"/>
+                </a:solidFill>
+              </a:rPr>
+              <a:t>UserTypeId</a:t>
+            </a:r>
+            <a:r>
+              <a:rPr lang="en-US" b="1" dirty="0">
+                <a:solidFill>
+                  <a:schemeClr val="tx1"/>
+                </a:solidFill>
+              </a:rPr>
+              <a:t> (int)</a:t>
+            </a:r>
+          </a:p>
+          <a:p>
+            <a:pPr algn="ctr"/>
+            <a:r>
+              <a:rPr lang="en-US" dirty="0">
+                <a:solidFill>
+                  <a:schemeClr val="tx1"/>
+                </a:solidFill>
+              </a:rPr>
+              <a:t>Name (</a:t>
+            </a:r>
+            <a:r>
+              <a:rPr lang="en-US" dirty="0" err="1">
+                <a:solidFill>
+                  <a:schemeClr val="tx1"/>
+                </a:solidFill>
+              </a:rPr>
+              <a:t>nvarchar</a:t>
+            </a:r>
+            <a:r>
+              <a:rPr lang="en-US" dirty="0">
+                <a:solidFill>
+                  <a:schemeClr val="tx1"/>
+                </a:solidFill>
+              </a:rPr>
+              <a:t>(128))</a:t>
             </a:r>
           </a:p>
           <a:p>
@@ -4775,10 +4534,10 @@
       </p:sp>
       <p:sp>
         <p:nvSpPr>
-          <p:cNvPr id="17" name="Rectangle 16">
-            <a:extLst>
-              <a:ext uri="{FF2B5EF4-FFF2-40B4-BE49-F238E27FC236}">
-                <a16:creationId xmlns:a16="http://schemas.microsoft.com/office/drawing/2014/main" id="{5EC37761-CBCE-455C-9455-C65C11A42374}"/>
+          <p:cNvPr id="7" name="Rectangle 6">
+            <a:extLst>
+              <a:ext uri="{FF2B5EF4-FFF2-40B4-BE49-F238E27FC236}">
+                <a16:creationId xmlns:a16="http://schemas.microsoft.com/office/drawing/2014/main" id="{6A32A495-3E75-4066-9AC2-8F435F5E5024}"/>
               </a:ext>
             </a:extLst>
           </p:cNvPr>
@@ -4787,7 +4546,7 @@
         </p:nvSpPr>
         <p:spPr>
           <a:xfrm>
-            <a:off x="4703773" y="2449610"/>
+            <a:off x="8765289" y="2108962"/>
             <a:ext cx="2784451" cy="474387"/>
           </a:xfrm>
           <a:prstGeom prst="rect">
@@ -4824,22 +4583,27 @@
           <a:p>
             <a:pPr algn="ctr"/>
             <a:r>
-              <a:rPr lang="en-US" dirty="0">
-                <a:solidFill>
-                  <a:schemeClr val="tx1"/>
-                </a:solidFill>
-              </a:rPr>
-              <a:t>Events</a:t>
-            </a:r>
-          </a:p>
-        </p:txBody>
-      </p:sp>
-      <p:sp>
-        <p:nvSpPr>
-          <p:cNvPr id="18" name="Rectangle 17">
-            <a:extLst>
-              <a:ext uri="{FF2B5EF4-FFF2-40B4-BE49-F238E27FC236}">
-                <a16:creationId xmlns:a16="http://schemas.microsoft.com/office/drawing/2014/main" id="{A47E45C6-EA7F-4190-ACD4-E21CF0477335}"/>
+              <a:rPr lang="en-US" dirty="0" err="1">
+                <a:solidFill>
+                  <a:schemeClr val="tx1"/>
+                </a:solidFill>
+              </a:rPr>
+              <a:t>UsersTypes</a:t>
+            </a:r>
+            <a:endParaRPr lang="en-US" dirty="0">
+              <a:solidFill>
+                <a:schemeClr val="tx1"/>
+              </a:solidFill>
+            </a:endParaRPr>
+          </a:p>
+        </p:txBody>
+      </p:sp>
+      <p:sp>
+        <p:nvSpPr>
+          <p:cNvPr id="8" name="Rectangle 7">
+            <a:extLst>
+              <a:ext uri="{FF2B5EF4-FFF2-40B4-BE49-F238E27FC236}">
+                <a16:creationId xmlns:a16="http://schemas.microsoft.com/office/drawing/2014/main" id="{202747A3-9012-411F-9F2C-2B8A239D5B7A}"/>
               </a:ext>
             </a:extLst>
           </p:cNvPr>
@@ -4848,8 +4612,8 @@
         </p:nvSpPr>
         <p:spPr>
           <a:xfrm>
-            <a:off x="4703774" y="2918303"/>
-            <a:ext cx="2784451" cy="1383614"/>
+            <a:off x="8765290" y="2583349"/>
+            <a:ext cx="2784451" cy="845651"/>
           </a:xfrm>
           <a:prstGeom prst="rect">
             <a:avLst/>
@@ -4885,68 +4649,340 @@
           <a:p>
             <a:pPr algn="ctr"/>
             <a:r>
+              <a:rPr lang="en-US" b="1" dirty="0">
+                <a:solidFill>
+                  <a:schemeClr val="tx1"/>
+                </a:solidFill>
+              </a:rPr>
+              <a:t>Id (int)</a:t>
+            </a:r>
+          </a:p>
+          <a:p>
+            <a:pPr algn="ctr"/>
+            <a:r>
               <a:rPr lang="en-US" dirty="0">
                 <a:solidFill>
                   <a:schemeClr val="tx1"/>
                 </a:solidFill>
               </a:rPr>
-              <a:t>Id (int)</a:t>
-            </a:r>
-          </a:p>
-          <a:p>
-            <a:pPr algn="ctr"/>
+              <a:t>Description (</a:t>
+            </a:r>
+            <a:r>
+              <a:rPr lang="en-US" dirty="0" err="1">
+                <a:solidFill>
+                  <a:schemeClr val="tx1"/>
+                </a:solidFill>
+              </a:rPr>
+              <a:t>nvarchar</a:t>
+            </a:r>
             <a:r>
               <a:rPr lang="en-US" dirty="0">
                 <a:solidFill>
                   <a:schemeClr val="tx1"/>
                 </a:solidFill>
               </a:rPr>
-              <a:t>Description (</a:t>
-            </a:r>
-            <a:r>
-              <a:rPr lang="en-US" dirty="0" err="1">
-                <a:solidFill>
-                  <a:schemeClr val="tx1"/>
-                </a:solidFill>
-              </a:rPr>
-              <a:t>nvarchar</a:t>
-            </a:r>
-            <a:r>
-              <a:rPr lang="en-US" dirty="0">
-                <a:solidFill>
-                  <a:schemeClr val="tx1"/>
-                </a:solidFill>
-              </a:rPr>
-              <a:t>(128))</a:t>
-            </a:r>
-          </a:p>
-          <a:p>
-            <a:pPr algn="ctr"/>
-            <a:r>
-              <a:rPr lang="en-US" dirty="0" err="1">
-                <a:solidFill>
-                  <a:schemeClr val="tx1"/>
-                </a:solidFill>
-              </a:rPr>
-              <a:t>PrivacyId</a:t>
-            </a:r>
-            <a:r>
-              <a:rPr lang="en-US" dirty="0">
-                <a:solidFill>
-                  <a:schemeClr val="tx1"/>
-                </a:solidFill>
-              </a:rPr>
-              <a:t> (int)</a:t>
+              <a:t>(64))</a:t>
             </a:r>
           </a:p>
         </p:txBody>
       </p:sp>
       <p:cxnSp>
         <p:nvCxnSpPr>
-          <p:cNvPr id="3" name="Connector: Elbow 2">
-            <a:extLst>
-              <a:ext uri="{FF2B5EF4-FFF2-40B4-BE49-F238E27FC236}">
-                <a16:creationId xmlns:a16="http://schemas.microsoft.com/office/drawing/2014/main" id="{D58D8910-9439-4902-8F76-8C45785C1424}"/>
+          <p:cNvPr id="10" name="Connector: Elbow 9">
+            <a:extLst>
+              <a:ext uri="{FF2B5EF4-FFF2-40B4-BE49-F238E27FC236}">
+                <a16:creationId xmlns:a16="http://schemas.microsoft.com/office/drawing/2014/main" id="{835D8894-6A9B-4D56-9A3E-2181B6020B3A}"/>
+              </a:ext>
+            </a:extLst>
+          </p:cNvPr>
+          <p:cNvCxnSpPr/>
+          <p:nvPr/>
+        </p:nvCxnSpPr>
+        <p:spPr>
+          <a:xfrm flipV="1">
+            <a:off x="7378222" y="2880704"/>
+            <a:ext cx="1387067" cy="378135"/>
+          </a:xfrm>
+          <a:prstGeom prst="bentConnector3">
+            <a:avLst/>
+          </a:prstGeom>
+          <a:ln>
+            <a:tailEnd type="triangle"/>
+          </a:ln>
+        </p:spPr>
+        <p:style>
+          <a:lnRef idx="1">
+            <a:schemeClr val="dk1"/>
+          </a:lnRef>
+          <a:fillRef idx="0">
+            <a:schemeClr val="dk1"/>
+          </a:fillRef>
+          <a:effectRef idx="0">
+            <a:schemeClr val="dk1"/>
+          </a:effectRef>
+          <a:fontRef idx="minor">
+            <a:schemeClr val="tx1"/>
+          </a:fontRef>
+        </p:style>
+      </p:cxnSp>
+    </p:spTree>
+    <p:extLst>
+      <p:ext uri="{BB962C8B-B14F-4D97-AF65-F5344CB8AC3E}">
+        <p14:creationId xmlns:p14="http://schemas.microsoft.com/office/powerpoint/2010/main" val="3070474065"/>
+      </p:ext>
+    </p:extLst>
+  </p:cSld>
+  <p:clrMapOvr>
+    <a:masterClrMapping/>
+  </p:clrMapOvr>
+</p:sld>
+</file>
+
+<file path=ppt/slides/slide4.xml><?xml version="1.0" encoding="utf-8"?>
+<p:sld xmlns:a="http://schemas.openxmlformats.org/drawingml/2006/main" xmlns:r="http://schemas.openxmlformats.org/officeDocument/2006/relationships" xmlns:p="http://schemas.openxmlformats.org/presentationml/2006/main">
+  <p:cSld>
+    <p:spTree>
+      <p:nvGrpSpPr>
+        <p:cNvPr id="1" name=""/>
+        <p:cNvGrpSpPr/>
+        <p:nvPr/>
+      </p:nvGrpSpPr>
+      <p:grpSpPr>
+        <a:xfrm>
+          <a:off x="0" y="0"/>
+          <a:ext cx="0" cy="0"/>
+          <a:chOff x="0" y="0"/>
+          <a:chExt cx="0" cy="0"/>
+        </a:xfrm>
+      </p:grpSpPr>
+      <p:sp>
+        <p:nvSpPr>
+          <p:cNvPr id="4" name="TextBox 3">
+            <a:extLst>
+              <a:ext uri="{FF2B5EF4-FFF2-40B4-BE49-F238E27FC236}">
+                <a16:creationId xmlns:a16="http://schemas.microsoft.com/office/drawing/2014/main" id="{8CFA6AEB-A0CA-455B-AF87-1FEFC566F18F}"/>
+              </a:ext>
+            </a:extLst>
+          </p:cNvPr>
+          <p:cNvSpPr txBox="1"/>
+          <p:nvPr/>
+        </p:nvSpPr>
+        <p:spPr>
+          <a:xfrm>
+            <a:off x="9914021" y="0"/>
+            <a:ext cx="2277980" cy="369332"/>
+          </a:xfrm>
+          <a:prstGeom prst="rect">
+            <a:avLst/>
+          </a:prstGeom>
+          <a:noFill/>
+        </p:spPr>
+        <p:txBody>
+          <a:bodyPr wrap="square" rtlCol="0">
+            <a:spAutoFit/>
+          </a:bodyPr>
+          <a:lstStyle/>
+          <a:p>
+            <a:r>
+              <a:rPr lang="en-US" dirty="0"/>
+              <a:t>University Information</a:t>
+            </a:r>
+          </a:p>
+        </p:txBody>
+      </p:sp>
+      <p:sp>
+        <p:nvSpPr>
+          <p:cNvPr id="11" name="Rectangle 10">
+            <a:extLst>
+              <a:ext uri="{FF2B5EF4-FFF2-40B4-BE49-F238E27FC236}">
+                <a16:creationId xmlns:a16="http://schemas.microsoft.com/office/drawing/2014/main" id="{FFB8406E-A425-4C2B-A93B-33816E1F9A49}"/>
+              </a:ext>
+            </a:extLst>
+          </p:cNvPr>
+          <p:cNvSpPr/>
+          <p:nvPr/>
+        </p:nvSpPr>
+        <p:spPr>
+          <a:xfrm>
+            <a:off x="735645" y="2471630"/>
+            <a:ext cx="2784451" cy="474387"/>
+          </a:xfrm>
+          <a:prstGeom prst="rect">
+            <a:avLst/>
+          </a:prstGeom>
+          <a:solidFill>
+            <a:schemeClr val="bg1"/>
+          </a:solidFill>
+          <a:ln>
+            <a:solidFill>
+              <a:schemeClr val="tx1"/>
+            </a:solidFill>
+          </a:ln>
+        </p:spPr>
+        <p:style>
+          <a:lnRef idx="2">
+            <a:schemeClr val="accent1">
+              <a:shade val="50000"/>
+            </a:schemeClr>
+          </a:lnRef>
+          <a:fillRef idx="1">
+            <a:schemeClr val="accent1"/>
+          </a:fillRef>
+          <a:effectRef idx="0">
+            <a:schemeClr val="accent1"/>
+          </a:effectRef>
+          <a:fontRef idx="minor">
+            <a:schemeClr val="lt1"/>
+          </a:fontRef>
+        </p:style>
+        <p:txBody>
+          <a:bodyPr rtlCol="0" anchor="ctr"/>
+          <a:lstStyle/>
+          <a:p>
+            <a:pPr algn="ctr"/>
+            <a:r>
+              <a:rPr lang="en-US" dirty="0">
+                <a:solidFill>
+                  <a:schemeClr val="tx1"/>
+                </a:solidFill>
+              </a:rPr>
+              <a:t>Locations</a:t>
+            </a:r>
+          </a:p>
+        </p:txBody>
+      </p:sp>
+      <p:sp>
+        <p:nvSpPr>
+          <p:cNvPr id="12" name="Rectangle 11">
+            <a:extLst>
+              <a:ext uri="{FF2B5EF4-FFF2-40B4-BE49-F238E27FC236}">
+                <a16:creationId xmlns:a16="http://schemas.microsoft.com/office/drawing/2014/main" id="{086A5408-6C19-487F-A27A-9BDACC1ADCD5}"/>
+              </a:ext>
+            </a:extLst>
+          </p:cNvPr>
+          <p:cNvSpPr/>
+          <p:nvPr/>
+        </p:nvSpPr>
+        <p:spPr>
+          <a:xfrm>
+            <a:off x="735648" y="2946018"/>
+            <a:ext cx="2783874" cy="1268972"/>
+          </a:xfrm>
+          <a:prstGeom prst="rect">
+            <a:avLst/>
+          </a:prstGeom>
+          <a:solidFill>
+            <a:schemeClr val="bg1"/>
+          </a:solidFill>
+          <a:ln>
+            <a:solidFill>
+              <a:schemeClr val="tx1"/>
+            </a:solidFill>
+          </a:ln>
+        </p:spPr>
+        <p:style>
+          <a:lnRef idx="2">
+            <a:schemeClr val="accent1">
+              <a:shade val="50000"/>
+            </a:schemeClr>
+          </a:lnRef>
+          <a:fillRef idx="1">
+            <a:schemeClr val="accent1"/>
+          </a:fillRef>
+          <a:effectRef idx="0">
+            <a:schemeClr val="accent1"/>
+          </a:effectRef>
+          <a:fontRef idx="minor">
+            <a:schemeClr val="lt1"/>
+          </a:fontRef>
+        </p:style>
+        <p:txBody>
+          <a:bodyPr rtlCol="0" anchor="ctr"/>
+          <a:lstStyle/>
+          <a:p>
+            <a:pPr algn="ctr"/>
+            <a:endParaRPr lang="en-US" dirty="0">
+              <a:solidFill>
+                <a:schemeClr val="tx1"/>
+              </a:solidFill>
+            </a:endParaRPr>
+          </a:p>
+          <a:p>
+            <a:pPr algn="ctr"/>
+            <a:r>
+              <a:rPr lang="en-US" b="1" dirty="0">
+                <a:solidFill>
+                  <a:schemeClr val="tx1"/>
+                </a:solidFill>
+              </a:rPr>
+              <a:t>Id (int)</a:t>
+            </a:r>
+          </a:p>
+          <a:p>
+            <a:pPr algn="ctr"/>
+            <a:r>
+              <a:rPr lang="en-US" dirty="0">
+                <a:solidFill>
+                  <a:schemeClr val="tx1"/>
+                </a:solidFill>
+              </a:rPr>
+              <a:t>Description (</a:t>
+            </a:r>
+            <a:r>
+              <a:rPr lang="en-US" dirty="0" err="1">
+                <a:solidFill>
+                  <a:schemeClr val="tx1"/>
+                </a:solidFill>
+              </a:rPr>
+              <a:t>nvarchar</a:t>
+            </a:r>
+            <a:r>
+              <a:rPr lang="en-US" dirty="0">
+                <a:solidFill>
+                  <a:schemeClr val="tx1"/>
+                </a:solidFill>
+              </a:rPr>
+              <a:t>(256))</a:t>
+            </a:r>
+          </a:p>
+          <a:p>
+            <a:pPr algn="ctr"/>
+            <a:r>
+              <a:rPr lang="en-US" dirty="0">
+                <a:solidFill>
+                  <a:schemeClr val="tx1"/>
+                </a:solidFill>
+              </a:rPr>
+              <a:t>Longitude (Decimal(9, 6))</a:t>
+            </a:r>
+          </a:p>
+          <a:p>
+            <a:pPr algn="ctr"/>
+            <a:r>
+              <a:rPr lang="en-US" dirty="0">
+                <a:solidFill>
+                  <a:schemeClr val="tx1"/>
+                </a:solidFill>
+              </a:rPr>
+              <a:t>Latitude (Decimal(9, 6))</a:t>
+            </a:r>
+          </a:p>
+          <a:p>
+            <a:pPr algn="ctr"/>
+            <a:endParaRPr lang="en-US" dirty="0">
+              <a:solidFill>
+                <a:schemeClr val="tx1"/>
+              </a:solidFill>
+            </a:endParaRPr>
+          </a:p>
+        </p:txBody>
+      </p:sp>
+      <p:cxnSp>
+        <p:nvCxnSpPr>
+          <p:cNvPr id="13" name="Connector: Elbow 12">
+            <a:extLst>
+              <a:ext uri="{FF2B5EF4-FFF2-40B4-BE49-F238E27FC236}">
+                <a16:creationId xmlns:a16="http://schemas.microsoft.com/office/drawing/2014/main" id="{32BD7363-A258-4EE2-B03A-0E350B5812A9}"/>
               </a:ext>
             </a:extLst>
           </p:cNvPr>
@@ -4956,17 +4992,1119 @@
           <p:nvPr/>
         </p:nvCxnSpPr>
         <p:spPr>
-          <a:xfrm>
-            <a:off x="7488225" y="1656921"/>
-            <a:ext cx="1730825" cy="1449801"/>
+          <a:xfrm rot="10800000">
+            <a:off x="3520097" y="3183214"/>
+            <a:ext cx="1320611" cy="1"/>
           </a:xfrm>
           <a:prstGeom prst="bentConnector3">
             <a:avLst/>
           </a:prstGeom>
           <a:ln>
+            <a:tailEnd type="triangle"/>
+          </a:ln>
+        </p:spPr>
+        <p:style>
+          <a:lnRef idx="1">
+            <a:schemeClr val="dk1"/>
+          </a:lnRef>
+          <a:fillRef idx="0">
+            <a:schemeClr val="dk1"/>
+          </a:fillRef>
+          <a:effectRef idx="0">
+            <a:schemeClr val="dk1"/>
+          </a:effectRef>
+          <a:fontRef idx="minor">
+            <a:schemeClr val="tx1"/>
+          </a:fontRef>
+        </p:style>
+      </p:cxnSp>
+      <p:sp>
+        <p:nvSpPr>
+          <p:cNvPr id="14" name="Rectangle 13">
+            <a:extLst>
+              <a:ext uri="{FF2B5EF4-FFF2-40B4-BE49-F238E27FC236}">
+                <a16:creationId xmlns:a16="http://schemas.microsoft.com/office/drawing/2014/main" id="{FFB32D5E-CEF0-4EA5-AAF9-33F2841CC6A9}"/>
+              </a:ext>
+            </a:extLst>
+          </p:cNvPr>
+          <p:cNvSpPr/>
+          <p:nvPr/>
+        </p:nvSpPr>
+        <p:spPr>
+          <a:xfrm>
+            <a:off x="4840706" y="1934827"/>
+            <a:ext cx="2784451" cy="474387"/>
+          </a:xfrm>
+          <a:prstGeom prst="rect">
+            <a:avLst/>
+          </a:prstGeom>
+          <a:solidFill>
+            <a:schemeClr val="bg1"/>
+          </a:solidFill>
+          <a:ln>
             <a:solidFill>
               <a:schemeClr val="tx1"/>
             </a:solidFill>
+          </a:ln>
+        </p:spPr>
+        <p:style>
+          <a:lnRef idx="2">
+            <a:schemeClr val="accent1">
+              <a:shade val="50000"/>
+            </a:schemeClr>
+          </a:lnRef>
+          <a:fillRef idx="1">
+            <a:schemeClr val="accent1"/>
+          </a:fillRef>
+          <a:effectRef idx="0">
+            <a:schemeClr val="accent1"/>
+          </a:effectRef>
+          <a:fontRef idx="minor">
+            <a:schemeClr val="lt1"/>
+          </a:fontRef>
+        </p:style>
+        <p:txBody>
+          <a:bodyPr rtlCol="0" anchor="ctr"/>
+          <a:lstStyle/>
+          <a:p>
+            <a:pPr algn="ctr"/>
+            <a:r>
+              <a:rPr lang="en-US" dirty="0">
+                <a:solidFill>
+                  <a:schemeClr val="tx1"/>
+                </a:solidFill>
+              </a:rPr>
+              <a:t>Universities</a:t>
+            </a:r>
+          </a:p>
+        </p:txBody>
+      </p:sp>
+      <p:sp>
+        <p:nvSpPr>
+          <p:cNvPr id="15" name="Rectangle 14">
+            <a:extLst>
+              <a:ext uri="{FF2B5EF4-FFF2-40B4-BE49-F238E27FC236}">
+                <a16:creationId xmlns:a16="http://schemas.microsoft.com/office/drawing/2014/main" id="{A920D1B8-2882-41DA-93A8-6876D7F91E37}"/>
+              </a:ext>
+            </a:extLst>
+          </p:cNvPr>
+          <p:cNvSpPr/>
+          <p:nvPr/>
+        </p:nvSpPr>
+        <p:spPr>
+          <a:xfrm>
+            <a:off x="4840708" y="2409214"/>
+            <a:ext cx="2784449" cy="1550895"/>
+          </a:xfrm>
+          <a:prstGeom prst="rect">
+            <a:avLst/>
+          </a:prstGeom>
+          <a:solidFill>
+            <a:schemeClr val="bg1"/>
+          </a:solidFill>
+          <a:ln>
+            <a:solidFill>
+              <a:schemeClr val="tx1"/>
+            </a:solidFill>
+          </a:ln>
+        </p:spPr>
+        <p:style>
+          <a:lnRef idx="2">
+            <a:schemeClr val="accent1">
+              <a:shade val="50000"/>
+            </a:schemeClr>
+          </a:lnRef>
+          <a:fillRef idx="1">
+            <a:schemeClr val="accent1"/>
+          </a:fillRef>
+          <a:effectRef idx="0">
+            <a:schemeClr val="accent1"/>
+          </a:effectRef>
+          <a:fontRef idx="minor">
+            <a:schemeClr val="lt1"/>
+          </a:fontRef>
+        </p:style>
+        <p:txBody>
+          <a:bodyPr rtlCol="0" anchor="ctr"/>
+          <a:lstStyle/>
+          <a:p>
+            <a:pPr algn="ctr"/>
+            <a:r>
+              <a:rPr lang="en-US" b="1" dirty="0">
+                <a:solidFill>
+                  <a:schemeClr val="tx1"/>
+                </a:solidFill>
+              </a:rPr>
+              <a:t>Id (int)</a:t>
+            </a:r>
+          </a:p>
+          <a:p>
+            <a:pPr algn="ctr"/>
+            <a:r>
+              <a:rPr lang="en-US" dirty="0">
+                <a:solidFill>
+                  <a:schemeClr val="tx1"/>
+                </a:solidFill>
+              </a:rPr>
+              <a:t>Name (</a:t>
+            </a:r>
+            <a:r>
+              <a:rPr lang="en-US" dirty="0" err="1">
+                <a:solidFill>
+                  <a:schemeClr val="tx1"/>
+                </a:solidFill>
+              </a:rPr>
+              <a:t>nvarchar</a:t>
+            </a:r>
+            <a:r>
+              <a:rPr lang="en-US" dirty="0">
+                <a:solidFill>
+                  <a:schemeClr val="tx1"/>
+                </a:solidFill>
+              </a:rPr>
+              <a:t>(64))</a:t>
+            </a:r>
+          </a:p>
+          <a:p>
+            <a:pPr algn="ctr"/>
+            <a:r>
+              <a:rPr lang="en-US" b="1" dirty="0" err="1">
+                <a:solidFill>
+                  <a:schemeClr val="tx1"/>
+                </a:solidFill>
+              </a:rPr>
+              <a:t>LocationId</a:t>
+            </a:r>
+            <a:r>
+              <a:rPr lang="en-US" b="1" dirty="0">
+                <a:solidFill>
+                  <a:schemeClr val="tx1"/>
+                </a:solidFill>
+              </a:rPr>
+              <a:t> (int)</a:t>
+            </a:r>
+          </a:p>
+          <a:p>
+            <a:pPr algn="ctr"/>
+            <a:r>
+              <a:rPr lang="en-US" dirty="0">
+                <a:solidFill>
+                  <a:schemeClr val="tx1"/>
+                </a:solidFill>
+              </a:rPr>
+              <a:t>Description (</a:t>
+            </a:r>
+            <a:r>
+              <a:rPr lang="en-US" dirty="0" err="1">
+                <a:solidFill>
+                  <a:schemeClr val="tx1"/>
+                </a:solidFill>
+              </a:rPr>
+              <a:t>nvarchar</a:t>
+            </a:r>
+            <a:r>
+              <a:rPr lang="en-US" dirty="0">
+                <a:solidFill>
+                  <a:schemeClr val="tx1"/>
+                </a:solidFill>
+              </a:rPr>
+              <a:t>(256))</a:t>
+            </a:r>
+          </a:p>
+          <a:p>
+            <a:pPr algn="ctr"/>
+            <a:r>
+              <a:rPr lang="en-US" dirty="0">
+                <a:solidFill>
+                  <a:schemeClr val="tx1"/>
+                </a:solidFill>
+              </a:rPr>
+              <a:t># of Students (</a:t>
+            </a:r>
+            <a:r>
+              <a:rPr lang="en-US" dirty="0" err="1">
+                <a:solidFill>
+                  <a:schemeClr val="tx1"/>
+                </a:solidFill>
+              </a:rPr>
+              <a:t>bigint</a:t>
+            </a:r>
+            <a:r>
+              <a:rPr lang="en-US" dirty="0">
+                <a:solidFill>
+                  <a:schemeClr val="tx1"/>
+                </a:solidFill>
+              </a:rPr>
+              <a:t>)</a:t>
+            </a:r>
+          </a:p>
+        </p:txBody>
+      </p:sp>
+      <p:sp>
+        <p:nvSpPr>
+          <p:cNvPr id="16" name="Rectangle 15">
+            <a:extLst>
+              <a:ext uri="{FF2B5EF4-FFF2-40B4-BE49-F238E27FC236}">
+                <a16:creationId xmlns:a16="http://schemas.microsoft.com/office/drawing/2014/main" id="{60966694-8884-46DA-AF5D-540AA8E8A695}"/>
+              </a:ext>
+            </a:extLst>
+          </p:cNvPr>
+          <p:cNvSpPr/>
+          <p:nvPr/>
+        </p:nvSpPr>
+        <p:spPr>
+          <a:xfrm>
+            <a:off x="9050039" y="2172020"/>
+            <a:ext cx="2784451" cy="474387"/>
+          </a:xfrm>
+          <a:prstGeom prst="rect">
+            <a:avLst/>
+          </a:prstGeom>
+          <a:solidFill>
+            <a:schemeClr val="bg1"/>
+          </a:solidFill>
+          <a:ln>
+            <a:solidFill>
+              <a:schemeClr val="tx1"/>
+            </a:solidFill>
+          </a:ln>
+        </p:spPr>
+        <p:style>
+          <a:lnRef idx="2">
+            <a:schemeClr val="accent1">
+              <a:shade val="50000"/>
+            </a:schemeClr>
+          </a:lnRef>
+          <a:fillRef idx="1">
+            <a:schemeClr val="accent1"/>
+          </a:fillRef>
+          <a:effectRef idx="0">
+            <a:schemeClr val="accent1"/>
+          </a:effectRef>
+          <a:fontRef idx="minor">
+            <a:schemeClr val="lt1"/>
+          </a:fontRef>
+        </p:style>
+        <p:txBody>
+          <a:bodyPr rtlCol="0" anchor="ctr"/>
+          <a:lstStyle/>
+          <a:p>
+            <a:pPr algn="ctr"/>
+            <a:r>
+              <a:rPr lang="en-US" dirty="0" err="1">
+                <a:solidFill>
+                  <a:schemeClr val="tx1"/>
+                </a:solidFill>
+              </a:rPr>
+              <a:t>UniversityPhotos</a:t>
+            </a:r>
+            <a:endParaRPr lang="en-US" dirty="0">
+              <a:solidFill>
+                <a:schemeClr val="tx1"/>
+              </a:solidFill>
+            </a:endParaRPr>
+          </a:p>
+        </p:txBody>
+      </p:sp>
+      <p:sp>
+        <p:nvSpPr>
+          <p:cNvPr id="17" name="Rectangle 16">
+            <a:extLst>
+              <a:ext uri="{FF2B5EF4-FFF2-40B4-BE49-F238E27FC236}">
+                <a16:creationId xmlns:a16="http://schemas.microsoft.com/office/drawing/2014/main" id="{D0F8E6B5-3B7B-4994-8470-AE9521AB6A93}"/>
+              </a:ext>
+            </a:extLst>
+          </p:cNvPr>
+          <p:cNvSpPr/>
+          <p:nvPr/>
+        </p:nvSpPr>
+        <p:spPr>
+          <a:xfrm>
+            <a:off x="9050041" y="2646408"/>
+            <a:ext cx="2784449" cy="966504"/>
+          </a:xfrm>
+          <a:prstGeom prst="rect">
+            <a:avLst/>
+          </a:prstGeom>
+          <a:solidFill>
+            <a:schemeClr val="bg1"/>
+          </a:solidFill>
+          <a:ln>
+            <a:solidFill>
+              <a:schemeClr val="tx1"/>
+            </a:solidFill>
+          </a:ln>
+        </p:spPr>
+        <p:style>
+          <a:lnRef idx="2">
+            <a:schemeClr val="accent1">
+              <a:shade val="50000"/>
+            </a:schemeClr>
+          </a:lnRef>
+          <a:fillRef idx="1">
+            <a:schemeClr val="accent1"/>
+          </a:fillRef>
+          <a:effectRef idx="0">
+            <a:schemeClr val="accent1"/>
+          </a:effectRef>
+          <a:fontRef idx="minor">
+            <a:schemeClr val="lt1"/>
+          </a:fontRef>
+        </p:style>
+        <p:txBody>
+          <a:bodyPr rtlCol="0" anchor="ctr"/>
+          <a:lstStyle/>
+          <a:p>
+            <a:pPr algn="ctr"/>
+            <a:r>
+              <a:rPr lang="en-US" dirty="0">
+                <a:solidFill>
+                  <a:schemeClr val="tx1"/>
+                </a:solidFill>
+              </a:rPr>
+              <a:t>Id (int)</a:t>
+            </a:r>
+          </a:p>
+          <a:p>
+            <a:pPr algn="ctr"/>
+            <a:r>
+              <a:rPr lang="en-US" b="1" dirty="0" err="1">
+                <a:solidFill>
+                  <a:schemeClr val="tx1"/>
+                </a:solidFill>
+              </a:rPr>
+              <a:t>UniversityId</a:t>
+            </a:r>
+            <a:r>
+              <a:rPr lang="en-US" b="1" dirty="0">
+                <a:solidFill>
+                  <a:schemeClr val="tx1"/>
+                </a:solidFill>
+              </a:rPr>
+              <a:t> (int)</a:t>
+            </a:r>
+          </a:p>
+          <a:p>
+            <a:pPr algn="ctr"/>
+            <a:r>
+              <a:rPr lang="en-US" dirty="0">
+                <a:solidFill>
+                  <a:schemeClr val="tx1"/>
+                </a:solidFill>
+              </a:rPr>
+              <a:t>Photo (</a:t>
+            </a:r>
+            <a:r>
+              <a:rPr lang="en-US" dirty="0" err="1">
+                <a:solidFill>
+                  <a:schemeClr val="tx1"/>
+                </a:solidFill>
+              </a:rPr>
+              <a:t>varbinary</a:t>
+            </a:r>
+            <a:r>
+              <a:rPr lang="en-US" dirty="0">
+                <a:solidFill>
+                  <a:schemeClr val="tx1"/>
+                </a:solidFill>
+              </a:rPr>
+              <a:t>(max))</a:t>
+            </a:r>
+          </a:p>
+        </p:txBody>
+      </p:sp>
+      <p:cxnSp>
+        <p:nvCxnSpPr>
+          <p:cNvPr id="19" name="Connector: Elbow 18">
+            <a:extLst>
+              <a:ext uri="{FF2B5EF4-FFF2-40B4-BE49-F238E27FC236}">
+                <a16:creationId xmlns:a16="http://schemas.microsoft.com/office/drawing/2014/main" id="{A7E3D1E7-5FB7-4502-BF4F-C61AC3E8A67D}"/>
+              </a:ext>
+            </a:extLst>
+          </p:cNvPr>
+          <p:cNvCxnSpPr>
+            <a:stCxn id="17" idx="1"/>
+          </p:cNvCxnSpPr>
+          <p:nvPr/>
+        </p:nvCxnSpPr>
+        <p:spPr>
+          <a:xfrm rot="10800000">
+            <a:off x="7625157" y="2646408"/>
+            <a:ext cx="1424884" cy="483253"/>
+          </a:xfrm>
+          <a:prstGeom prst="bentConnector3">
+            <a:avLst/>
+          </a:prstGeom>
+          <a:ln>
+            <a:tailEnd type="triangle"/>
+          </a:ln>
+        </p:spPr>
+        <p:style>
+          <a:lnRef idx="1">
+            <a:schemeClr val="dk1"/>
+          </a:lnRef>
+          <a:fillRef idx="0">
+            <a:schemeClr val="dk1"/>
+          </a:fillRef>
+          <a:effectRef idx="0">
+            <a:schemeClr val="dk1"/>
+          </a:effectRef>
+          <a:fontRef idx="minor">
+            <a:schemeClr val="tx1"/>
+          </a:fontRef>
+        </p:style>
+      </p:cxnSp>
+    </p:spTree>
+    <p:extLst>
+      <p:ext uri="{BB962C8B-B14F-4D97-AF65-F5344CB8AC3E}">
+        <p14:creationId xmlns:p14="http://schemas.microsoft.com/office/powerpoint/2010/main" val="1453214014"/>
+      </p:ext>
+    </p:extLst>
+  </p:cSld>
+  <p:clrMapOvr>
+    <a:masterClrMapping/>
+  </p:clrMapOvr>
+</p:sld>
+</file>
+
+<file path=ppt/slides/slide5.xml><?xml version="1.0" encoding="utf-8"?>
+<p:sld xmlns:a="http://schemas.openxmlformats.org/drawingml/2006/main" xmlns:r="http://schemas.openxmlformats.org/officeDocument/2006/relationships" xmlns:p="http://schemas.openxmlformats.org/presentationml/2006/main">
+  <p:cSld>
+    <p:spTree>
+      <p:nvGrpSpPr>
+        <p:cNvPr id="1" name=""/>
+        <p:cNvGrpSpPr/>
+        <p:nvPr/>
+      </p:nvGrpSpPr>
+      <p:grpSpPr>
+        <a:xfrm>
+          <a:off x="0" y="0"/>
+          <a:ext cx="0" cy="0"/>
+          <a:chOff x="0" y="0"/>
+          <a:chExt cx="0" cy="0"/>
+        </a:xfrm>
+      </p:grpSpPr>
+      <p:sp>
+        <p:nvSpPr>
+          <p:cNvPr id="4" name="TextBox 3">
+            <a:extLst>
+              <a:ext uri="{FF2B5EF4-FFF2-40B4-BE49-F238E27FC236}">
+                <a16:creationId xmlns:a16="http://schemas.microsoft.com/office/drawing/2014/main" id="{D18C8A5B-0144-4401-9E75-566F49CB5553}"/>
+              </a:ext>
+            </a:extLst>
+          </p:cNvPr>
+          <p:cNvSpPr txBox="1"/>
+          <p:nvPr/>
+        </p:nvSpPr>
+        <p:spPr>
+          <a:xfrm>
+            <a:off x="9824644" y="0"/>
+            <a:ext cx="2367357" cy="369332"/>
+          </a:xfrm>
+          <a:prstGeom prst="rect">
+            <a:avLst/>
+          </a:prstGeom>
+          <a:noFill/>
+        </p:spPr>
+        <p:txBody>
+          <a:bodyPr wrap="square" rtlCol="0">
+            <a:spAutoFit/>
+          </a:bodyPr>
+          <a:lstStyle/>
+          <a:p>
+            <a:r>
+              <a:rPr lang="en-US" dirty="0"/>
+              <a:t>User / RSO relationship</a:t>
+            </a:r>
+          </a:p>
+        </p:txBody>
+      </p:sp>
+      <p:sp>
+        <p:nvSpPr>
+          <p:cNvPr id="5" name="Rectangle 4">
+            <a:extLst>
+              <a:ext uri="{FF2B5EF4-FFF2-40B4-BE49-F238E27FC236}">
+                <a16:creationId xmlns:a16="http://schemas.microsoft.com/office/drawing/2014/main" id="{7556BFDE-30EE-456F-B052-9C217A652239}"/>
+              </a:ext>
+            </a:extLst>
+          </p:cNvPr>
+          <p:cNvSpPr/>
+          <p:nvPr/>
+        </p:nvSpPr>
+        <p:spPr>
+          <a:xfrm>
+            <a:off x="4742445" y="2221866"/>
+            <a:ext cx="2784451" cy="474387"/>
+          </a:xfrm>
+          <a:prstGeom prst="rect">
+            <a:avLst/>
+          </a:prstGeom>
+          <a:solidFill>
+            <a:schemeClr val="bg1"/>
+          </a:solidFill>
+          <a:ln>
+            <a:solidFill>
+              <a:schemeClr val="tx1"/>
+            </a:solidFill>
+          </a:ln>
+        </p:spPr>
+        <p:style>
+          <a:lnRef idx="2">
+            <a:schemeClr val="accent1">
+              <a:shade val="50000"/>
+            </a:schemeClr>
+          </a:lnRef>
+          <a:fillRef idx="1">
+            <a:schemeClr val="accent1"/>
+          </a:fillRef>
+          <a:effectRef idx="0">
+            <a:schemeClr val="accent1"/>
+          </a:effectRef>
+          <a:fontRef idx="minor">
+            <a:schemeClr val="lt1"/>
+          </a:fontRef>
+        </p:style>
+        <p:txBody>
+          <a:bodyPr rtlCol="0" anchor="ctr"/>
+          <a:lstStyle/>
+          <a:p>
+            <a:pPr algn="ctr"/>
+            <a:r>
+              <a:rPr lang="en-US" dirty="0" err="1">
+                <a:solidFill>
+                  <a:schemeClr val="tx1"/>
+                </a:solidFill>
+              </a:rPr>
+              <a:t>UserRso</a:t>
+            </a:r>
+            <a:endParaRPr lang="en-US" dirty="0">
+              <a:solidFill>
+                <a:schemeClr val="tx1"/>
+              </a:solidFill>
+            </a:endParaRPr>
+          </a:p>
+        </p:txBody>
+      </p:sp>
+      <p:sp>
+        <p:nvSpPr>
+          <p:cNvPr id="6" name="Rectangle 5">
+            <a:extLst>
+              <a:ext uri="{FF2B5EF4-FFF2-40B4-BE49-F238E27FC236}">
+                <a16:creationId xmlns:a16="http://schemas.microsoft.com/office/drawing/2014/main" id="{A7F471E8-B025-4C39-A56C-4F53E6969508}"/>
+              </a:ext>
+            </a:extLst>
+          </p:cNvPr>
+          <p:cNvSpPr/>
+          <p:nvPr/>
+        </p:nvSpPr>
+        <p:spPr>
+          <a:xfrm>
+            <a:off x="4742447" y="2696254"/>
+            <a:ext cx="2784449" cy="1263856"/>
+          </a:xfrm>
+          <a:prstGeom prst="rect">
+            <a:avLst/>
+          </a:prstGeom>
+          <a:solidFill>
+            <a:schemeClr val="bg1"/>
+          </a:solidFill>
+          <a:ln>
+            <a:solidFill>
+              <a:schemeClr val="tx1"/>
+            </a:solidFill>
+          </a:ln>
+        </p:spPr>
+        <p:style>
+          <a:lnRef idx="2">
+            <a:schemeClr val="accent1">
+              <a:shade val="50000"/>
+            </a:schemeClr>
+          </a:lnRef>
+          <a:fillRef idx="1">
+            <a:schemeClr val="accent1"/>
+          </a:fillRef>
+          <a:effectRef idx="0">
+            <a:schemeClr val="accent1"/>
+          </a:effectRef>
+          <a:fontRef idx="minor">
+            <a:schemeClr val="lt1"/>
+          </a:fontRef>
+        </p:style>
+        <p:txBody>
+          <a:bodyPr rtlCol="0" anchor="ctr"/>
+          <a:lstStyle/>
+          <a:p>
+            <a:pPr algn="ctr"/>
+            <a:r>
+              <a:rPr lang="en-US" dirty="0">
+                <a:solidFill>
+                  <a:schemeClr val="tx1"/>
+                </a:solidFill>
+              </a:rPr>
+              <a:t>Id (int)</a:t>
+            </a:r>
+          </a:p>
+          <a:p>
+            <a:pPr algn="ctr"/>
+            <a:r>
+              <a:rPr lang="en-US" b="1" dirty="0" err="1">
+                <a:solidFill>
+                  <a:schemeClr val="tx1"/>
+                </a:solidFill>
+              </a:rPr>
+              <a:t>UserId</a:t>
+            </a:r>
+            <a:r>
+              <a:rPr lang="en-US" b="1" dirty="0">
+                <a:solidFill>
+                  <a:schemeClr val="tx1"/>
+                </a:solidFill>
+              </a:rPr>
+              <a:t> (</a:t>
+            </a:r>
+            <a:r>
+              <a:rPr lang="en-US" b="1" dirty="0" err="1">
+                <a:solidFill>
+                  <a:schemeClr val="tx1"/>
+                </a:solidFill>
+              </a:rPr>
+              <a:t>uniqueidentifier</a:t>
+            </a:r>
+            <a:r>
+              <a:rPr lang="en-US" b="1" dirty="0">
+                <a:solidFill>
+                  <a:schemeClr val="tx1"/>
+                </a:solidFill>
+              </a:rPr>
+              <a:t>)</a:t>
+            </a:r>
+          </a:p>
+          <a:p>
+            <a:pPr algn="ctr"/>
+            <a:r>
+              <a:rPr lang="en-US" b="1" dirty="0" err="1">
+                <a:solidFill>
+                  <a:schemeClr val="tx1"/>
+                </a:solidFill>
+              </a:rPr>
+              <a:t>RsoId</a:t>
+            </a:r>
+            <a:r>
+              <a:rPr lang="en-US" b="1" dirty="0">
+                <a:solidFill>
+                  <a:schemeClr val="tx1"/>
+                </a:solidFill>
+              </a:rPr>
+              <a:t> (</a:t>
+            </a:r>
+            <a:r>
+              <a:rPr lang="en-US" b="1" dirty="0" err="1">
+                <a:solidFill>
+                  <a:schemeClr val="tx1"/>
+                </a:solidFill>
+              </a:rPr>
+              <a:t>uniqueidentifier</a:t>
+            </a:r>
+            <a:r>
+              <a:rPr lang="en-US" b="1" dirty="0">
+                <a:solidFill>
+                  <a:schemeClr val="tx1"/>
+                </a:solidFill>
+              </a:rPr>
+              <a:t>)</a:t>
+            </a:r>
+          </a:p>
+          <a:p>
+            <a:pPr algn="ctr"/>
+            <a:r>
+              <a:rPr lang="en-US" dirty="0" err="1">
+                <a:solidFill>
+                  <a:schemeClr val="tx1"/>
+                </a:solidFill>
+              </a:rPr>
+              <a:t>IsAdmin</a:t>
+            </a:r>
+            <a:r>
+              <a:rPr lang="en-US" dirty="0">
+                <a:solidFill>
+                  <a:schemeClr val="tx1"/>
+                </a:solidFill>
+              </a:rPr>
+              <a:t> (bit)</a:t>
+            </a:r>
+          </a:p>
+        </p:txBody>
+      </p:sp>
+      <p:sp>
+        <p:nvSpPr>
+          <p:cNvPr id="9" name="Rectangle 8">
+            <a:extLst>
+              <a:ext uri="{FF2B5EF4-FFF2-40B4-BE49-F238E27FC236}">
+                <a16:creationId xmlns:a16="http://schemas.microsoft.com/office/drawing/2014/main" id="{2AB2A2E1-6232-483C-B95D-B67FFDFD64D0}"/>
+              </a:ext>
+            </a:extLst>
+          </p:cNvPr>
+          <p:cNvSpPr/>
+          <p:nvPr/>
+        </p:nvSpPr>
+        <p:spPr>
+          <a:xfrm>
+            <a:off x="8815708" y="1984673"/>
+            <a:ext cx="2784451" cy="474387"/>
+          </a:xfrm>
+          <a:prstGeom prst="rect">
+            <a:avLst/>
+          </a:prstGeom>
+          <a:solidFill>
+            <a:schemeClr val="bg1"/>
+          </a:solidFill>
+          <a:ln>
+            <a:solidFill>
+              <a:schemeClr val="tx1"/>
+            </a:solidFill>
+          </a:ln>
+        </p:spPr>
+        <p:style>
+          <a:lnRef idx="2">
+            <a:schemeClr val="accent1">
+              <a:shade val="50000"/>
+            </a:schemeClr>
+          </a:lnRef>
+          <a:fillRef idx="1">
+            <a:schemeClr val="accent1"/>
+          </a:fillRef>
+          <a:effectRef idx="0">
+            <a:schemeClr val="accent1"/>
+          </a:effectRef>
+          <a:fontRef idx="minor">
+            <a:schemeClr val="lt1"/>
+          </a:fontRef>
+        </p:style>
+        <p:txBody>
+          <a:bodyPr rtlCol="0" anchor="ctr"/>
+          <a:lstStyle/>
+          <a:p>
+            <a:pPr algn="ctr"/>
+            <a:r>
+              <a:rPr lang="en-US" dirty="0">
+                <a:solidFill>
+                  <a:schemeClr val="tx1"/>
+                </a:solidFill>
+              </a:rPr>
+              <a:t>Users</a:t>
+            </a:r>
+          </a:p>
+        </p:txBody>
+      </p:sp>
+      <p:sp>
+        <p:nvSpPr>
+          <p:cNvPr id="10" name="Rectangle 9">
+            <a:extLst>
+              <a:ext uri="{FF2B5EF4-FFF2-40B4-BE49-F238E27FC236}">
+                <a16:creationId xmlns:a16="http://schemas.microsoft.com/office/drawing/2014/main" id="{0FE37090-BE43-46F3-8E70-13A1B4377ACF}"/>
+              </a:ext>
+            </a:extLst>
+          </p:cNvPr>
+          <p:cNvSpPr/>
+          <p:nvPr/>
+        </p:nvSpPr>
+        <p:spPr>
+          <a:xfrm>
+            <a:off x="8815136" y="2447672"/>
+            <a:ext cx="2784451" cy="1768853"/>
+          </a:xfrm>
+          <a:prstGeom prst="rect">
+            <a:avLst/>
+          </a:prstGeom>
+          <a:solidFill>
+            <a:schemeClr val="bg1"/>
+          </a:solidFill>
+          <a:ln>
+            <a:solidFill>
+              <a:schemeClr val="tx1"/>
+            </a:solidFill>
+          </a:ln>
+        </p:spPr>
+        <p:style>
+          <a:lnRef idx="2">
+            <a:schemeClr val="accent1">
+              <a:shade val="50000"/>
+            </a:schemeClr>
+          </a:lnRef>
+          <a:fillRef idx="1">
+            <a:schemeClr val="accent1"/>
+          </a:fillRef>
+          <a:effectRef idx="0">
+            <a:schemeClr val="accent1"/>
+          </a:effectRef>
+          <a:fontRef idx="minor">
+            <a:schemeClr val="lt1"/>
+          </a:fontRef>
+        </p:style>
+        <p:txBody>
+          <a:bodyPr rtlCol="0" anchor="ctr"/>
+          <a:lstStyle/>
+          <a:p>
+            <a:pPr algn="ctr"/>
+            <a:r>
+              <a:rPr lang="en-US" b="1" dirty="0">
+                <a:solidFill>
+                  <a:schemeClr val="tx1"/>
+                </a:solidFill>
+              </a:rPr>
+              <a:t>Id (</a:t>
+            </a:r>
+            <a:r>
+              <a:rPr lang="en-US" b="1" dirty="0" err="1">
+                <a:solidFill>
+                  <a:schemeClr val="tx1"/>
+                </a:solidFill>
+              </a:rPr>
+              <a:t>uniqueidentifier</a:t>
+            </a:r>
+            <a:r>
+              <a:rPr lang="en-US" b="1" dirty="0">
+                <a:solidFill>
+                  <a:schemeClr val="tx1"/>
+                </a:solidFill>
+              </a:rPr>
+              <a:t>)</a:t>
+            </a:r>
+          </a:p>
+          <a:p>
+            <a:pPr algn="ctr"/>
+            <a:r>
+              <a:rPr lang="en-US" b="1" dirty="0">
+                <a:solidFill>
+                  <a:schemeClr val="tx1"/>
+                </a:solidFill>
+              </a:rPr>
+              <a:t>.</a:t>
+            </a:r>
+          </a:p>
+          <a:p>
+            <a:pPr algn="ctr"/>
+            <a:r>
+              <a:rPr lang="en-US" b="1" dirty="0">
+                <a:solidFill>
+                  <a:schemeClr val="tx1"/>
+                </a:solidFill>
+              </a:rPr>
+              <a:t>.</a:t>
+            </a:r>
+          </a:p>
+          <a:p>
+            <a:pPr algn="ctr"/>
+            <a:r>
+              <a:rPr lang="en-US" b="1" dirty="0">
+                <a:solidFill>
+                  <a:schemeClr val="tx1"/>
+                </a:solidFill>
+              </a:rPr>
+              <a:t>.</a:t>
+            </a:r>
+          </a:p>
+          <a:p>
+            <a:pPr algn="ctr"/>
+            <a:endParaRPr lang="en-US" dirty="0">
+              <a:solidFill>
+                <a:schemeClr val="tx1"/>
+              </a:solidFill>
+            </a:endParaRPr>
+          </a:p>
+        </p:txBody>
+      </p:sp>
+      <p:sp>
+        <p:nvSpPr>
+          <p:cNvPr id="12" name="Rectangle 11">
+            <a:extLst>
+              <a:ext uri="{FF2B5EF4-FFF2-40B4-BE49-F238E27FC236}">
+                <a16:creationId xmlns:a16="http://schemas.microsoft.com/office/drawing/2014/main" id="{33075FA5-B6EE-4C26-9DBB-A5B76EEF1E3A}"/>
+              </a:ext>
+            </a:extLst>
+          </p:cNvPr>
+          <p:cNvSpPr/>
+          <p:nvPr/>
+        </p:nvSpPr>
+        <p:spPr>
+          <a:xfrm>
+            <a:off x="1095445" y="2221866"/>
+            <a:ext cx="2784451" cy="474387"/>
+          </a:xfrm>
+          <a:prstGeom prst="rect">
+            <a:avLst/>
+          </a:prstGeom>
+          <a:solidFill>
+            <a:schemeClr val="bg1"/>
+          </a:solidFill>
+          <a:ln>
+            <a:solidFill>
+              <a:schemeClr val="tx1"/>
+            </a:solidFill>
+          </a:ln>
+        </p:spPr>
+        <p:style>
+          <a:lnRef idx="2">
+            <a:schemeClr val="accent1">
+              <a:shade val="50000"/>
+            </a:schemeClr>
+          </a:lnRef>
+          <a:fillRef idx="1">
+            <a:schemeClr val="accent1"/>
+          </a:fillRef>
+          <a:effectRef idx="0">
+            <a:schemeClr val="accent1"/>
+          </a:effectRef>
+          <a:fontRef idx="minor">
+            <a:schemeClr val="lt1"/>
+          </a:fontRef>
+        </p:style>
+        <p:txBody>
+          <a:bodyPr rtlCol="0" anchor="ctr"/>
+          <a:lstStyle/>
+          <a:p>
+            <a:pPr algn="ctr"/>
+            <a:r>
+              <a:rPr lang="en-US" dirty="0" err="1">
+                <a:solidFill>
+                  <a:schemeClr val="tx1"/>
+                </a:solidFill>
+              </a:rPr>
+              <a:t>Rso</a:t>
+            </a:r>
+            <a:endParaRPr lang="en-US" dirty="0">
+              <a:solidFill>
+                <a:schemeClr val="tx1"/>
+              </a:solidFill>
+            </a:endParaRPr>
+          </a:p>
+        </p:txBody>
+      </p:sp>
+      <p:sp>
+        <p:nvSpPr>
+          <p:cNvPr id="13" name="Rectangle 12">
+            <a:extLst>
+              <a:ext uri="{FF2B5EF4-FFF2-40B4-BE49-F238E27FC236}">
+                <a16:creationId xmlns:a16="http://schemas.microsoft.com/office/drawing/2014/main" id="{C5D37C36-46E3-4D46-AD4A-A914F3052B33}"/>
+              </a:ext>
+            </a:extLst>
+          </p:cNvPr>
+          <p:cNvSpPr/>
+          <p:nvPr/>
+        </p:nvSpPr>
+        <p:spPr>
+          <a:xfrm>
+            <a:off x="1095447" y="2696254"/>
+            <a:ext cx="2784449" cy="1263856"/>
+          </a:xfrm>
+          <a:prstGeom prst="rect">
+            <a:avLst/>
+          </a:prstGeom>
+          <a:solidFill>
+            <a:schemeClr val="bg1"/>
+          </a:solidFill>
+          <a:ln>
+            <a:solidFill>
+              <a:schemeClr val="tx1"/>
+            </a:solidFill>
+          </a:ln>
+        </p:spPr>
+        <p:style>
+          <a:lnRef idx="2">
+            <a:schemeClr val="accent1">
+              <a:shade val="50000"/>
+            </a:schemeClr>
+          </a:lnRef>
+          <a:fillRef idx="1">
+            <a:schemeClr val="accent1"/>
+          </a:fillRef>
+          <a:effectRef idx="0">
+            <a:schemeClr val="accent1"/>
+          </a:effectRef>
+          <a:fontRef idx="minor">
+            <a:schemeClr val="lt1"/>
+          </a:fontRef>
+        </p:style>
+        <p:txBody>
+          <a:bodyPr rtlCol="0" anchor="ctr"/>
+          <a:lstStyle/>
+          <a:p>
+            <a:pPr algn="ctr"/>
+            <a:r>
+              <a:rPr lang="en-US" b="1" dirty="0">
+                <a:solidFill>
+                  <a:schemeClr val="tx1"/>
+                </a:solidFill>
+              </a:rPr>
+              <a:t>Id (</a:t>
+            </a:r>
+            <a:r>
+              <a:rPr lang="en-US" b="1" dirty="0" err="1">
+                <a:solidFill>
+                  <a:schemeClr val="tx1"/>
+                </a:solidFill>
+              </a:rPr>
+              <a:t>uniqueidentifier</a:t>
+            </a:r>
+            <a:r>
+              <a:rPr lang="en-US" b="1" dirty="0">
+                <a:solidFill>
+                  <a:schemeClr val="tx1"/>
+                </a:solidFill>
+              </a:rPr>
+              <a:t>)</a:t>
+            </a:r>
+          </a:p>
+          <a:p>
+            <a:pPr algn="ctr"/>
+            <a:r>
+              <a:rPr lang="en-US" dirty="0">
+                <a:solidFill>
+                  <a:schemeClr val="tx1"/>
+                </a:solidFill>
+              </a:rPr>
+              <a:t>Name (</a:t>
+            </a:r>
+            <a:r>
+              <a:rPr lang="en-US" dirty="0" err="1">
+                <a:solidFill>
+                  <a:schemeClr val="tx1"/>
+                </a:solidFill>
+              </a:rPr>
+              <a:t>nvarchar</a:t>
+            </a:r>
+            <a:r>
+              <a:rPr lang="en-US" dirty="0">
+                <a:solidFill>
+                  <a:schemeClr val="tx1"/>
+                </a:solidFill>
+              </a:rPr>
+              <a:t>(256))</a:t>
+            </a:r>
+          </a:p>
+        </p:txBody>
+      </p:sp>
+      <p:cxnSp>
+        <p:nvCxnSpPr>
+          <p:cNvPr id="15" name="Connector: Elbow 14">
+            <a:extLst>
+              <a:ext uri="{FF2B5EF4-FFF2-40B4-BE49-F238E27FC236}">
+                <a16:creationId xmlns:a16="http://schemas.microsoft.com/office/drawing/2014/main" id="{F72A0FCF-621D-4B27-9BA7-DD8D3F11EFE3}"/>
+              </a:ext>
+            </a:extLst>
+          </p:cNvPr>
+          <p:cNvCxnSpPr/>
+          <p:nvPr/>
+        </p:nvCxnSpPr>
+        <p:spPr>
+          <a:xfrm flipV="1">
+            <a:off x="7526896" y="2784451"/>
+            <a:ext cx="1288812" cy="426262"/>
+          </a:xfrm>
+          <a:prstGeom prst="bentConnector3">
+            <a:avLst/>
+          </a:prstGeom>
+          <a:ln>
             <a:tailEnd type="triangle"/>
           </a:ln>
         </p:spPr>
@@ -4987,22 +6125,641 @@
       </p:cxnSp>
       <p:cxnSp>
         <p:nvCxnSpPr>
-          <p:cNvPr id="5" name="Connector: Elbow 4">
-            <a:extLst>
-              <a:ext uri="{FF2B5EF4-FFF2-40B4-BE49-F238E27FC236}">
-                <a16:creationId xmlns:a16="http://schemas.microsoft.com/office/drawing/2014/main" id="{6D97B767-5D5D-4A66-B929-5C7C5B881AB6}"/>
+          <p:cNvPr id="17" name="Connector: Elbow 16">
+            <a:extLst>
+              <a:ext uri="{FF2B5EF4-FFF2-40B4-BE49-F238E27FC236}">
+                <a16:creationId xmlns:a16="http://schemas.microsoft.com/office/drawing/2014/main" id="{3165E5A4-18BD-4578-8FEE-56404BE8E134}"/>
+              </a:ext>
+            </a:extLst>
+          </p:cNvPr>
+          <p:cNvCxnSpPr/>
+          <p:nvPr/>
+        </p:nvCxnSpPr>
+        <p:spPr>
+          <a:xfrm rot="10800000">
+            <a:off x="3879611" y="3159253"/>
+            <a:ext cx="862265" cy="367719"/>
+          </a:xfrm>
+          <a:prstGeom prst="bentConnector3">
+            <a:avLst/>
+          </a:prstGeom>
+          <a:ln>
+            <a:tailEnd type="triangle"/>
+          </a:ln>
+        </p:spPr>
+        <p:style>
+          <a:lnRef idx="1">
+            <a:schemeClr val="dk1"/>
+          </a:lnRef>
+          <a:fillRef idx="0">
+            <a:schemeClr val="dk1"/>
+          </a:fillRef>
+          <a:effectRef idx="0">
+            <a:schemeClr val="dk1"/>
+          </a:effectRef>
+          <a:fontRef idx="minor">
+            <a:schemeClr val="tx1"/>
+          </a:fontRef>
+        </p:style>
+      </p:cxnSp>
+    </p:spTree>
+    <p:extLst>
+      <p:ext uri="{BB962C8B-B14F-4D97-AF65-F5344CB8AC3E}">
+        <p14:creationId xmlns:p14="http://schemas.microsoft.com/office/powerpoint/2010/main" val="582332977"/>
+      </p:ext>
+    </p:extLst>
+  </p:cSld>
+  <p:clrMapOvr>
+    <a:masterClrMapping/>
+  </p:clrMapOvr>
+</p:sld>
+</file>
+
+<file path=ppt/slides/slide6.xml><?xml version="1.0" encoding="utf-8"?>
+<p:sld xmlns:a="http://schemas.openxmlformats.org/drawingml/2006/main" xmlns:r="http://schemas.openxmlformats.org/officeDocument/2006/relationships" xmlns:p="http://schemas.openxmlformats.org/presentationml/2006/main">
+  <p:cSld>
+    <p:spTree>
+      <p:nvGrpSpPr>
+        <p:cNvPr id="1" name=""/>
+        <p:cNvGrpSpPr/>
+        <p:nvPr/>
+      </p:nvGrpSpPr>
+      <p:grpSpPr>
+        <a:xfrm>
+          <a:off x="0" y="0"/>
+          <a:ext cx="0" cy="0"/>
+          <a:chOff x="0" y="0"/>
+          <a:chExt cx="0" cy="0"/>
+        </a:xfrm>
+      </p:grpSpPr>
+      <p:sp>
+        <p:nvSpPr>
+          <p:cNvPr id="4" name="TextBox 3">
+            <a:extLst>
+              <a:ext uri="{FF2B5EF4-FFF2-40B4-BE49-F238E27FC236}">
+                <a16:creationId xmlns:a16="http://schemas.microsoft.com/office/drawing/2014/main" id="{14C5BEF9-06F2-4709-975E-704B494C58E0}"/>
+              </a:ext>
+            </a:extLst>
+          </p:cNvPr>
+          <p:cNvSpPr txBox="1"/>
+          <p:nvPr/>
+        </p:nvSpPr>
+        <p:spPr>
+          <a:xfrm>
+            <a:off x="9288380" y="0"/>
+            <a:ext cx="2903622" cy="369332"/>
+          </a:xfrm>
+          <a:prstGeom prst="rect">
+            <a:avLst/>
+          </a:prstGeom>
+          <a:noFill/>
+        </p:spPr>
+        <p:txBody>
+          <a:bodyPr wrap="square" rtlCol="0">
+            <a:spAutoFit/>
+          </a:bodyPr>
+          <a:lstStyle/>
+          <a:p>
+            <a:r>
+              <a:rPr lang="en-US" dirty="0"/>
+              <a:t>User / University relationship</a:t>
+            </a:r>
+          </a:p>
+        </p:txBody>
+      </p:sp>
+      <p:sp>
+        <p:nvSpPr>
+          <p:cNvPr id="5" name="Rectangle 4">
+            <a:extLst>
+              <a:ext uri="{FF2B5EF4-FFF2-40B4-BE49-F238E27FC236}">
+                <a16:creationId xmlns:a16="http://schemas.microsoft.com/office/drawing/2014/main" id="{DF266BC6-2912-458F-852A-961E74860D19}"/>
+              </a:ext>
+            </a:extLst>
+          </p:cNvPr>
+          <p:cNvSpPr/>
+          <p:nvPr/>
+        </p:nvSpPr>
+        <p:spPr>
+          <a:xfrm>
+            <a:off x="4867057" y="2153194"/>
+            <a:ext cx="2784451" cy="474387"/>
+          </a:xfrm>
+          <a:prstGeom prst="rect">
+            <a:avLst/>
+          </a:prstGeom>
+          <a:solidFill>
+            <a:schemeClr val="bg1"/>
+          </a:solidFill>
+          <a:ln>
+            <a:solidFill>
+              <a:schemeClr val="tx1"/>
+            </a:solidFill>
+          </a:ln>
+        </p:spPr>
+        <p:style>
+          <a:lnRef idx="2">
+            <a:schemeClr val="accent1">
+              <a:shade val="50000"/>
+            </a:schemeClr>
+          </a:lnRef>
+          <a:fillRef idx="1">
+            <a:schemeClr val="accent1"/>
+          </a:fillRef>
+          <a:effectRef idx="0">
+            <a:schemeClr val="accent1"/>
+          </a:effectRef>
+          <a:fontRef idx="minor">
+            <a:schemeClr val="lt1"/>
+          </a:fontRef>
+        </p:style>
+        <p:txBody>
+          <a:bodyPr rtlCol="0" anchor="ctr"/>
+          <a:lstStyle/>
+          <a:p>
+            <a:pPr algn="ctr"/>
+            <a:r>
+              <a:rPr lang="en-US" dirty="0" err="1">
+                <a:solidFill>
+                  <a:schemeClr val="tx1"/>
+                </a:solidFill>
+              </a:rPr>
+              <a:t>UserUniversity</a:t>
+            </a:r>
+            <a:endParaRPr lang="en-US" dirty="0">
+              <a:solidFill>
+                <a:schemeClr val="tx1"/>
+              </a:solidFill>
+            </a:endParaRPr>
+          </a:p>
+        </p:txBody>
+      </p:sp>
+      <p:sp>
+        <p:nvSpPr>
+          <p:cNvPr id="6" name="Rectangle 5">
+            <a:extLst>
+              <a:ext uri="{FF2B5EF4-FFF2-40B4-BE49-F238E27FC236}">
+                <a16:creationId xmlns:a16="http://schemas.microsoft.com/office/drawing/2014/main" id="{443ECB9E-180E-49C6-AF91-894FF3975DF6}"/>
+              </a:ext>
+            </a:extLst>
+          </p:cNvPr>
+          <p:cNvSpPr/>
+          <p:nvPr/>
+        </p:nvSpPr>
+        <p:spPr>
+          <a:xfrm>
+            <a:off x="4867057" y="2627580"/>
+            <a:ext cx="2784451" cy="1280715"/>
+          </a:xfrm>
+          <a:prstGeom prst="rect">
+            <a:avLst/>
+          </a:prstGeom>
+          <a:solidFill>
+            <a:schemeClr val="bg1"/>
+          </a:solidFill>
+          <a:ln>
+            <a:solidFill>
+              <a:schemeClr val="tx1"/>
+            </a:solidFill>
+          </a:ln>
+        </p:spPr>
+        <p:style>
+          <a:lnRef idx="2">
+            <a:schemeClr val="accent1">
+              <a:shade val="50000"/>
+            </a:schemeClr>
+          </a:lnRef>
+          <a:fillRef idx="1">
+            <a:schemeClr val="accent1"/>
+          </a:fillRef>
+          <a:effectRef idx="0">
+            <a:schemeClr val="accent1"/>
+          </a:effectRef>
+          <a:fontRef idx="minor">
+            <a:schemeClr val="lt1"/>
+          </a:fontRef>
+        </p:style>
+        <p:txBody>
+          <a:bodyPr rtlCol="0" anchor="ctr"/>
+          <a:lstStyle/>
+          <a:p>
+            <a:pPr algn="ctr"/>
+            <a:r>
+              <a:rPr lang="en-US" dirty="0">
+                <a:solidFill>
+                  <a:schemeClr val="tx1"/>
+                </a:solidFill>
+              </a:rPr>
+              <a:t>Id (int)</a:t>
+            </a:r>
+          </a:p>
+          <a:p>
+            <a:pPr algn="ctr"/>
+            <a:r>
+              <a:rPr lang="en-US" b="1" dirty="0" err="1">
+                <a:solidFill>
+                  <a:schemeClr val="tx1"/>
+                </a:solidFill>
+              </a:rPr>
+              <a:t>UserId</a:t>
+            </a:r>
+            <a:r>
+              <a:rPr lang="en-US" b="1" dirty="0">
+                <a:solidFill>
+                  <a:schemeClr val="tx1"/>
+                </a:solidFill>
+              </a:rPr>
+              <a:t> (</a:t>
+            </a:r>
+            <a:r>
+              <a:rPr lang="en-US" b="1" dirty="0" err="1">
+                <a:solidFill>
+                  <a:schemeClr val="tx1"/>
+                </a:solidFill>
+              </a:rPr>
+              <a:t>uniqueidentifier</a:t>
+            </a:r>
+            <a:r>
+              <a:rPr lang="en-US" b="1" dirty="0">
+                <a:solidFill>
+                  <a:schemeClr val="tx1"/>
+                </a:solidFill>
+              </a:rPr>
+              <a:t>)</a:t>
+            </a:r>
+          </a:p>
+          <a:p>
+            <a:pPr algn="ctr"/>
+            <a:r>
+              <a:rPr lang="en-US" b="1" dirty="0" err="1">
+                <a:solidFill>
+                  <a:schemeClr val="tx1"/>
+                </a:solidFill>
+              </a:rPr>
+              <a:t>UniveristyId</a:t>
+            </a:r>
+            <a:r>
+              <a:rPr lang="en-US" b="1" dirty="0">
+                <a:solidFill>
+                  <a:schemeClr val="tx1"/>
+                </a:solidFill>
+              </a:rPr>
+              <a:t> (int)</a:t>
+            </a:r>
+          </a:p>
+        </p:txBody>
+      </p:sp>
+      <p:sp>
+        <p:nvSpPr>
+          <p:cNvPr id="9" name="Rectangle 8">
+            <a:extLst>
+              <a:ext uri="{FF2B5EF4-FFF2-40B4-BE49-F238E27FC236}">
+                <a16:creationId xmlns:a16="http://schemas.microsoft.com/office/drawing/2014/main" id="{DD6BBC7C-D583-4C15-823E-C78E8C05E4E8}"/>
+              </a:ext>
+            </a:extLst>
+          </p:cNvPr>
+          <p:cNvSpPr/>
+          <p:nvPr/>
+        </p:nvSpPr>
+        <p:spPr>
+          <a:xfrm>
+            <a:off x="1066228" y="2153193"/>
+            <a:ext cx="2784451" cy="474387"/>
+          </a:xfrm>
+          <a:prstGeom prst="rect">
+            <a:avLst/>
+          </a:prstGeom>
+          <a:solidFill>
+            <a:schemeClr val="bg1"/>
+          </a:solidFill>
+          <a:ln>
+            <a:solidFill>
+              <a:schemeClr val="tx1"/>
+            </a:solidFill>
+          </a:ln>
+        </p:spPr>
+        <p:style>
+          <a:lnRef idx="2">
+            <a:schemeClr val="accent1">
+              <a:shade val="50000"/>
+            </a:schemeClr>
+          </a:lnRef>
+          <a:fillRef idx="1">
+            <a:schemeClr val="accent1"/>
+          </a:fillRef>
+          <a:effectRef idx="0">
+            <a:schemeClr val="accent1"/>
+          </a:effectRef>
+          <a:fontRef idx="minor">
+            <a:schemeClr val="lt1"/>
+          </a:fontRef>
+        </p:style>
+        <p:txBody>
+          <a:bodyPr rtlCol="0" anchor="ctr"/>
+          <a:lstStyle/>
+          <a:p>
+            <a:pPr algn="ctr"/>
+            <a:r>
+              <a:rPr lang="en-US" dirty="0">
+                <a:solidFill>
+                  <a:schemeClr val="tx1"/>
+                </a:solidFill>
+              </a:rPr>
+              <a:t>Universities</a:t>
+            </a:r>
+          </a:p>
+        </p:txBody>
+      </p:sp>
+      <p:sp>
+        <p:nvSpPr>
+          <p:cNvPr id="10" name="Rectangle 9">
+            <a:extLst>
+              <a:ext uri="{FF2B5EF4-FFF2-40B4-BE49-F238E27FC236}">
+                <a16:creationId xmlns:a16="http://schemas.microsoft.com/office/drawing/2014/main" id="{03C46A95-4026-493C-92EC-B4186BA10C3B}"/>
+              </a:ext>
+            </a:extLst>
+          </p:cNvPr>
+          <p:cNvSpPr/>
+          <p:nvPr/>
+        </p:nvSpPr>
+        <p:spPr>
+          <a:xfrm>
+            <a:off x="1066230" y="2627580"/>
+            <a:ext cx="2784449" cy="1550895"/>
+          </a:xfrm>
+          <a:prstGeom prst="rect">
+            <a:avLst/>
+          </a:prstGeom>
+          <a:solidFill>
+            <a:schemeClr val="bg1"/>
+          </a:solidFill>
+          <a:ln>
+            <a:solidFill>
+              <a:schemeClr val="tx1"/>
+            </a:solidFill>
+          </a:ln>
+        </p:spPr>
+        <p:style>
+          <a:lnRef idx="2">
+            <a:schemeClr val="accent1">
+              <a:shade val="50000"/>
+            </a:schemeClr>
+          </a:lnRef>
+          <a:fillRef idx="1">
+            <a:schemeClr val="accent1"/>
+          </a:fillRef>
+          <a:effectRef idx="0">
+            <a:schemeClr val="accent1"/>
+          </a:effectRef>
+          <a:fontRef idx="minor">
+            <a:schemeClr val="lt1"/>
+          </a:fontRef>
+        </p:style>
+        <p:txBody>
+          <a:bodyPr rtlCol="0" anchor="ctr"/>
+          <a:lstStyle/>
+          <a:p>
+            <a:pPr algn="ctr"/>
+            <a:r>
+              <a:rPr lang="en-US" b="1" dirty="0">
+                <a:solidFill>
+                  <a:schemeClr val="tx1"/>
+                </a:solidFill>
+              </a:rPr>
+              <a:t>Id (int)</a:t>
+            </a:r>
+          </a:p>
+          <a:p>
+            <a:pPr algn="ctr"/>
+            <a:r>
+              <a:rPr lang="en-US" dirty="0">
+                <a:solidFill>
+                  <a:schemeClr val="tx1"/>
+                </a:solidFill>
+              </a:rPr>
+              <a:t>.</a:t>
+            </a:r>
+          </a:p>
+          <a:p>
+            <a:pPr algn="ctr"/>
+            <a:r>
+              <a:rPr lang="en-US" dirty="0">
+                <a:solidFill>
+                  <a:schemeClr val="tx1"/>
+                </a:solidFill>
+              </a:rPr>
+              <a:t>.</a:t>
+            </a:r>
+          </a:p>
+          <a:p>
+            <a:pPr algn="ctr"/>
+            <a:r>
+              <a:rPr lang="en-US" dirty="0">
+                <a:solidFill>
+                  <a:schemeClr val="tx1"/>
+                </a:solidFill>
+              </a:rPr>
+              <a:t>.</a:t>
+            </a:r>
+          </a:p>
+        </p:txBody>
+      </p:sp>
+      <p:sp>
+        <p:nvSpPr>
+          <p:cNvPr id="11" name="Rectangle 10">
+            <a:extLst>
+              <a:ext uri="{FF2B5EF4-FFF2-40B4-BE49-F238E27FC236}">
+                <a16:creationId xmlns:a16="http://schemas.microsoft.com/office/drawing/2014/main" id="{CC7698AF-659F-4A70-81AE-271970CB499A}"/>
+              </a:ext>
+            </a:extLst>
+          </p:cNvPr>
+          <p:cNvSpPr/>
+          <p:nvPr/>
+        </p:nvSpPr>
+        <p:spPr>
+          <a:xfrm>
+            <a:off x="8836334" y="2101551"/>
+            <a:ext cx="2784451" cy="474387"/>
+          </a:xfrm>
+          <a:prstGeom prst="rect">
+            <a:avLst/>
+          </a:prstGeom>
+          <a:solidFill>
+            <a:schemeClr val="bg1"/>
+          </a:solidFill>
+          <a:ln>
+            <a:solidFill>
+              <a:schemeClr val="tx1"/>
+            </a:solidFill>
+          </a:ln>
+        </p:spPr>
+        <p:style>
+          <a:lnRef idx="2">
+            <a:schemeClr val="accent1">
+              <a:shade val="50000"/>
+            </a:schemeClr>
+          </a:lnRef>
+          <a:fillRef idx="1">
+            <a:schemeClr val="accent1"/>
+          </a:fillRef>
+          <a:effectRef idx="0">
+            <a:schemeClr val="accent1"/>
+          </a:effectRef>
+          <a:fontRef idx="minor">
+            <a:schemeClr val="lt1"/>
+          </a:fontRef>
+        </p:style>
+        <p:txBody>
+          <a:bodyPr rtlCol="0" anchor="ctr"/>
+          <a:lstStyle/>
+          <a:p>
+            <a:pPr algn="ctr"/>
+            <a:r>
+              <a:rPr lang="en-US" dirty="0">
+                <a:solidFill>
+                  <a:schemeClr val="tx1"/>
+                </a:solidFill>
+              </a:rPr>
+              <a:t>Users</a:t>
+            </a:r>
+          </a:p>
+        </p:txBody>
+      </p:sp>
+      <p:sp>
+        <p:nvSpPr>
+          <p:cNvPr id="12" name="Rectangle 11">
+            <a:extLst>
+              <a:ext uri="{FF2B5EF4-FFF2-40B4-BE49-F238E27FC236}">
+                <a16:creationId xmlns:a16="http://schemas.microsoft.com/office/drawing/2014/main" id="{25CBC11D-5C19-4560-96D1-98750977D79F}"/>
+              </a:ext>
+            </a:extLst>
+          </p:cNvPr>
+          <p:cNvSpPr/>
+          <p:nvPr/>
+        </p:nvSpPr>
+        <p:spPr>
+          <a:xfrm>
+            <a:off x="8835762" y="2564550"/>
+            <a:ext cx="2784451" cy="1768853"/>
+          </a:xfrm>
+          <a:prstGeom prst="rect">
+            <a:avLst/>
+          </a:prstGeom>
+          <a:solidFill>
+            <a:schemeClr val="bg1"/>
+          </a:solidFill>
+          <a:ln>
+            <a:solidFill>
+              <a:schemeClr val="tx1"/>
+            </a:solidFill>
+          </a:ln>
+        </p:spPr>
+        <p:style>
+          <a:lnRef idx="2">
+            <a:schemeClr val="accent1">
+              <a:shade val="50000"/>
+            </a:schemeClr>
+          </a:lnRef>
+          <a:fillRef idx="1">
+            <a:schemeClr val="accent1"/>
+          </a:fillRef>
+          <a:effectRef idx="0">
+            <a:schemeClr val="accent1"/>
+          </a:effectRef>
+          <a:fontRef idx="minor">
+            <a:schemeClr val="lt1"/>
+          </a:fontRef>
+        </p:style>
+        <p:txBody>
+          <a:bodyPr rtlCol="0" anchor="ctr"/>
+          <a:lstStyle/>
+          <a:p>
+            <a:pPr algn="ctr"/>
+            <a:r>
+              <a:rPr lang="en-US" b="1" dirty="0">
+                <a:solidFill>
+                  <a:schemeClr val="tx1"/>
+                </a:solidFill>
+              </a:rPr>
+              <a:t>Id (</a:t>
+            </a:r>
+            <a:r>
+              <a:rPr lang="en-US" b="1" dirty="0" err="1">
+                <a:solidFill>
+                  <a:schemeClr val="tx1"/>
+                </a:solidFill>
+              </a:rPr>
+              <a:t>uniqueidentifier</a:t>
+            </a:r>
+            <a:r>
+              <a:rPr lang="en-US" b="1" dirty="0">
+                <a:solidFill>
+                  <a:schemeClr val="tx1"/>
+                </a:solidFill>
+              </a:rPr>
+              <a:t>)</a:t>
+            </a:r>
+          </a:p>
+          <a:p>
+            <a:pPr algn="ctr"/>
+            <a:r>
+              <a:rPr lang="en-US" b="1" dirty="0">
+                <a:solidFill>
+                  <a:schemeClr val="tx1"/>
+                </a:solidFill>
+              </a:rPr>
+              <a:t>.</a:t>
+            </a:r>
+          </a:p>
+          <a:p>
+            <a:pPr algn="ctr"/>
+            <a:r>
+              <a:rPr lang="en-US" b="1" dirty="0">
+                <a:solidFill>
+                  <a:schemeClr val="tx1"/>
+                </a:solidFill>
+              </a:rPr>
+              <a:t>.</a:t>
+            </a:r>
+          </a:p>
+          <a:p>
+            <a:pPr algn="ctr"/>
+            <a:r>
+              <a:rPr lang="en-US" b="1" dirty="0">
+                <a:solidFill>
+                  <a:schemeClr val="tx1"/>
+                </a:solidFill>
+              </a:rPr>
+              <a:t>.</a:t>
+            </a:r>
+          </a:p>
+          <a:p>
+            <a:pPr algn="ctr"/>
+            <a:endParaRPr lang="en-US" dirty="0">
+              <a:solidFill>
+                <a:schemeClr val="tx1"/>
+              </a:solidFill>
+            </a:endParaRPr>
+          </a:p>
+        </p:txBody>
+      </p:sp>
+      <p:cxnSp>
+        <p:nvCxnSpPr>
+          <p:cNvPr id="18" name="Connector: Elbow 17">
+            <a:extLst>
+              <a:ext uri="{FF2B5EF4-FFF2-40B4-BE49-F238E27FC236}">
+                <a16:creationId xmlns:a16="http://schemas.microsoft.com/office/drawing/2014/main" id="{DBCE3301-3264-407F-8D57-EB4B6C61CA4D}"/>
               </a:ext>
             </a:extLst>
           </p:cNvPr>
           <p:cNvCxnSpPr>
-            <a:cxnSpLocks/>
+            <a:stCxn id="6" idx="3"/>
           </p:cNvCxnSpPr>
           <p:nvPr/>
         </p:nvCxnSpPr>
         <p:spPr>
-          <a:xfrm rot="10800000">
-            <a:off x="3124309" y="5665155"/>
-            <a:ext cx="1578893" cy="1"/>
+          <a:xfrm flipV="1">
+            <a:off x="7651508" y="2915080"/>
+            <a:ext cx="1183682" cy="352858"/>
           </a:xfrm>
           <a:prstGeom prst="bentConnector3">
             <a:avLst/>
@@ -5028,10 +6785,904 @@
       </p:cxnSp>
       <p:cxnSp>
         <p:nvCxnSpPr>
-          <p:cNvPr id="22" name="Connector: Elbow 21">
-            <a:extLst>
-              <a:ext uri="{FF2B5EF4-FFF2-40B4-BE49-F238E27FC236}">
-                <a16:creationId xmlns:a16="http://schemas.microsoft.com/office/drawing/2014/main" id="{1BDD0C7E-7CC9-4D99-955E-4D49666ED645}"/>
+          <p:cNvPr id="20" name="Connector: Elbow 19">
+            <a:extLst>
+              <a:ext uri="{FF2B5EF4-FFF2-40B4-BE49-F238E27FC236}">
+                <a16:creationId xmlns:a16="http://schemas.microsoft.com/office/drawing/2014/main" id="{46C344A1-BD21-4DEC-8704-B45C7D4306BB}"/>
+              </a:ext>
+            </a:extLst>
+          </p:cNvPr>
+          <p:cNvCxnSpPr/>
+          <p:nvPr/>
+        </p:nvCxnSpPr>
+        <p:spPr>
+          <a:xfrm rot="10800000">
+            <a:off x="3850679" y="2976957"/>
+            <a:ext cx="1016378" cy="584391"/>
+          </a:xfrm>
+          <a:prstGeom prst="bentConnector3">
+            <a:avLst/>
+          </a:prstGeom>
+          <a:ln>
+            <a:tailEnd type="triangle"/>
+          </a:ln>
+        </p:spPr>
+        <p:style>
+          <a:lnRef idx="1">
+            <a:schemeClr val="dk1"/>
+          </a:lnRef>
+          <a:fillRef idx="0">
+            <a:schemeClr val="dk1"/>
+          </a:fillRef>
+          <a:effectRef idx="0">
+            <a:schemeClr val="dk1"/>
+          </a:effectRef>
+          <a:fontRef idx="minor">
+            <a:schemeClr val="tx1"/>
+          </a:fontRef>
+        </p:style>
+      </p:cxnSp>
+    </p:spTree>
+    <p:extLst>
+      <p:ext uri="{BB962C8B-B14F-4D97-AF65-F5344CB8AC3E}">
+        <p14:creationId xmlns:p14="http://schemas.microsoft.com/office/powerpoint/2010/main" val="52390867"/>
+      </p:ext>
+    </p:extLst>
+  </p:cSld>
+  <p:clrMapOvr>
+    <a:masterClrMapping/>
+  </p:clrMapOvr>
+</p:sld>
+</file>
+
+<file path=ppt/slides/slide7.xml><?xml version="1.0" encoding="utf-8"?>
+<p:sld xmlns:a="http://schemas.openxmlformats.org/drawingml/2006/main" xmlns:r="http://schemas.openxmlformats.org/officeDocument/2006/relationships" xmlns:p="http://schemas.openxmlformats.org/presentationml/2006/main">
+  <p:cSld>
+    <p:spTree>
+      <p:nvGrpSpPr>
+        <p:cNvPr id="1" name=""/>
+        <p:cNvGrpSpPr/>
+        <p:nvPr/>
+      </p:nvGrpSpPr>
+      <p:grpSpPr>
+        <a:xfrm>
+          <a:off x="0" y="0"/>
+          <a:ext cx="0" cy="0"/>
+          <a:chOff x="0" y="0"/>
+          <a:chExt cx="0" cy="0"/>
+        </a:xfrm>
+      </p:grpSpPr>
+      <p:sp>
+        <p:nvSpPr>
+          <p:cNvPr id="4" name="Rectangle 3">
+            <a:extLst>
+              <a:ext uri="{FF2B5EF4-FFF2-40B4-BE49-F238E27FC236}">
+                <a16:creationId xmlns:a16="http://schemas.microsoft.com/office/drawing/2014/main" id="{4BB464A7-CBFC-4FE2-A222-2C5E512D83A4}"/>
+              </a:ext>
+            </a:extLst>
+          </p:cNvPr>
+          <p:cNvSpPr/>
+          <p:nvPr/>
+        </p:nvSpPr>
+        <p:spPr>
+          <a:xfrm>
+            <a:off x="4706068" y="462354"/>
+            <a:ext cx="3065188" cy="468693"/>
+          </a:xfrm>
+          <a:prstGeom prst="rect">
+            <a:avLst/>
+          </a:prstGeom>
+          <a:solidFill>
+            <a:schemeClr val="bg1"/>
+          </a:solidFill>
+          <a:ln>
+            <a:solidFill>
+              <a:schemeClr val="tx1"/>
+            </a:solidFill>
+          </a:ln>
+        </p:spPr>
+        <p:style>
+          <a:lnRef idx="2">
+            <a:schemeClr val="accent1">
+              <a:shade val="50000"/>
+            </a:schemeClr>
+          </a:lnRef>
+          <a:fillRef idx="1">
+            <a:schemeClr val="accent1"/>
+          </a:fillRef>
+          <a:effectRef idx="0">
+            <a:schemeClr val="accent1"/>
+          </a:effectRef>
+          <a:fontRef idx="minor">
+            <a:schemeClr val="lt1"/>
+          </a:fontRef>
+        </p:style>
+        <p:txBody>
+          <a:bodyPr rtlCol="0" anchor="ctr"/>
+          <a:lstStyle/>
+          <a:p>
+            <a:pPr algn="ctr"/>
+            <a:r>
+              <a:rPr lang="en-US" dirty="0">
+                <a:solidFill>
+                  <a:schemeClr val="tx1"/>
+                </a:solidFill>
+              </a:rPr>
+              <a:t>Events</a:t>
+            </a:r>
+          </a:p>
+        </p:txBody>
+      </p:sp>
+      <p:sp>
+        <p:nvSpPr>
+          <p:cNvPr id="5" name="Rectangle 4">
+            <a:extLst>
+              <a:ext uri="{FF2B5EF4-FFF2-40B4-BE49-F238E27FC236}">
+                <a16:creationId xmlns:a16="http://schemas.microsoft.com/office/drawing/2014/main" id="{37F74607-BB90-4295-B237-FEE1227A218C}"/>
+              </a:ext>
+            </a:extLst>
+          </p:cNvPr>
+          <p:cNvSpPr/>
+          <p:nvPr/>
+        </p:nvSpPr>
+        <p:spPr>
+          <a:xfrm>
+            <a:off x="4706069" y="931047"/>
+            <a:ext cx="3065188" cy="2086834"/>
+          </a:xfrm>
+          <a:prstGeom prst="rect">
+            <a:avLst/>
+          </a:prstGeom>
+          <a:solidFill>
+            <a:schemeClr val="bg1"/>
+          </a:solidFill>
+          <a:ln>
+            <a:solidFill>
+              <a:schemeClr val="tx1"/>
+            </a:solidFill>
+          </a:ln>
+        </p:spPr>
+        <p:style>
+          <a:lnRef idx="2">
+            <a:schemeClr val="accent1">
+              <a:shade val="50000"/>
+            </a:schemeClr>
+          </a:lnRef>
+          <a:fillRef idx="1">
+            <a:schemeClr val="accent1"/>
+          </a:fillRef>
+          <a:effectRef idx="0">
+            <a:schemeClr val="accent1"/>
+          </a:effectRef>
+          <a:fontRef idx="minor">
+            <a:schemeClr val="lt1"/>
+          </a:fontRef>
+        </p:style>
+        <p:txBody>
+          <a:bodyPr rtlCol="0" anchor="ctr"/>
+          <a:lstStyle/>
+          <a:p>
+            <a:pPr algn="ctr"/>
+            <a:r>
+              <a:rPr lang="en-US" b="1" dirty="0">
+                <a:solidFill>
+                  <a:schemeClr val="tx1"/>
+                </a:solidFill>
+              </a:rPr>
+              <a:t>Id (int)</a:t>
+            </a:r>
+          </a:p>
+          <a:p>
+            <a:pPr algn="ctr"/>
+            <a:r>
+              <a:rPr lang="en-US" dirty="0">
+                <a:solidFill>
+                  <a:schemeClr val="tx1"/>
+                </a:solidFill>
+              </a:rPr>
+              <a:t>Description (</a:t>
+            </a:r>
+            <a:r>
+              <a:rPr lang="en-US" dirty="0" err="1">
+                <a:solidFill>
+                  <a:schemeClr val="tx1"/>
+                </a:solidFill>
+              </a:rPr>
+              <a:t>nvarchar</a:t>
+            </a:r>
+            <a:r>
+              <a:rPr lang="en-US" dirty="0">
+                <a:solidFill>
+                  <a:schemeClr val="tx1"/>
+                </a:solidFill>
+              </a:rPr>
+              <a:t>(128))</a:t>
+            </a:r>
+          </a:p>
+          <a:p>
+            <a:pPr algn="ctr"/>
+            <a:r>
+              <a:rPr lang="en-US" b="1" dirty="0" err="1">
+                <a:solidFill>
+                  <a:schemeClr val="tx1"/>
+                </a:solidFill>
+              </a:rPr>
+              <a:t>PrivacyId</a:t>
+            </a:r>
+            <a:r>
+              <a:rPr lang="en-US" b="1" dirty="0">
+                <a:solidFill>
+                  <a:schemeClr val="tx1"/>
+                </a:solidFill>
+              </a:rPr>
+              <a:t> (int)</a:t>
+            </a:r>
+          </a:p>
+          <a:p>
+            <a:pPr algn="ctr"/>
+            <a:r>
+              <a:rPr lang="en-US" dirty="0" err="1">
+                <a:solidFill>
+                  <a:schemeClr val="tx1"/>
+                </a:solidFill>
+              </a:rPr>
+              <a:t>EventAdmin</a:t>
+            </a:r>
+            <a:r>
+              <a:rPr lang="en-US" dirty="0">
+                <a:solidFill>
+                  <a:schemeClr val="tx1"/>
+                </a:solidFill>
+              </a:rPr>
+              <a:t> (</a:t>
+            </a:r>
+            <a:r>
+              <a:rPr lang="en-US" dirty="0" err="1">
+                <a:solidFill>
+                  <a:schemeClr val="tx1"/>
+                </a:solidFill>
+              </a:rPr>
+              <a:t>uniqueidentifier</a:t>
+            </a:r>
+            <a:r>
+              <a:rPr lang="en-US" dirty="0">
+                <a:solidFill>
+                  <a:schemeClr val="tx1"/>
+                </a:solidFill>
+              </a:rPr>
+              <a:t>)</a:t>
+            </a:r>
+          </a:p>
+          <a:p>
+            <a:pPr algn="ctr"/>
+            <a:r>
+              <a:rPr lang="en-US" dirty="0">
+                <a:solidFill>
+                  <a:schemeClr val="tx1"/>
+                </a:solidFill>
+              </a:rPr>
+              <a:t>Rating (int)</a:t>
+            </a:r>
+          </a:p>
+          <a:p>
+            <a:pPr algn="ctr"/>
+            <a:r>
+              <a:rPr lang="en-US" b="1" dirty="0" err="1">
+                <a:solidFill>
+                  <a:schemeClr val="tx1"/>
+                </a:solidFill>
+              </a:rPr>
+              <a:t>LocationId</a:t>
+            </a:r>
+            <a:r>
+              <a:rPr lang="en-US" b="1" dirty="0">
+                <a:solidFill>
+                  <a:schemeClr val="tx1"/>
+                </a:solidFill>
+              </a:rPr>
+              <a:t> (int)</a:t>
+            </a:r>
+          </a:p>
+        </p:txBody>
+      </p:sp>
+      <p:sp>
+        <p:nvSpPr>
+          <p:cNvPr id="6" name="Rectangle 5">
+            <a:extLst>
+              <a:ext uri="{FF2B5EF4-FFF2-40B4-BE49-F238E27FC236}">
+                <a16:creationId xmlns:a16="http://schemas.microsoft.com/office/drawing/2014/main" id="{6C9ACC4E-0C79-4A8B-9F1B-206C0EF17CBB}"/>
+              </a:ext>
+            </a:extLst>
+          </p:cNvPr>
+          <p:cNvSpPr/>
+          <p:nvPr/>
+        </p:nvSpPr>
+        <p:spPr>
+          <a:xfrm>
+            <a:off x="440878" y="588332"/>
+            <a:ext cx="2842889" cy="468693"/>
+          </a:xfrm>
+          <a:prstGeom prst="rect">
+            <a:avLst/>
+          </a:prstGeom>
+          <a:solidFill>
+            <a:schemeClr val="bg1"/>
+          </a:solidFill>
+          <a:ln>
+            <a:solidFill>
+              <a:schemeClr val="tx1"/>
+            </a:solidFill>
+          </a:ln>
+        </p:spPr>
+        <p:style>
+          <a:lnRef idx="2">
+            <a:schemeClr val="accent1">
+              <a:shade val="50000"/>
+            </a:schemeClr>
+          </a:lnRef>
+          <a:fillRef idx="1">
+            <a:schemeClr val="accent1"/>
+          </a:fillRef>
+          <a:effectRef idx="0">
+            <a:schemeClr val="accent1"/>
+          </a:effectRef>
+          <a:fontRef idx="minor">
+            <a:schemeClr val="lt1"/>
+          </a:fontRef>
+        </p:style>
+        <p:txBody>
+          <a:bodyPr rtlCol="0" anchor="ctr"/>
+          <a:lstStyle/>
+          <a:p>
+            <a:pPr algn="ctr"/>
+            <a:r>
+              <a:rPr lang="en-US" dirty="0" err="1">
+                <a:solidFill>
+                  <a:schemeClr val="tx1"/>
+                </a:solidFill>
+              </a:rPr>
+              <a:t>EventComments</a:t>
+            </a:r>
+            <a:endParaRPr lang="en-US" dirty="0">
+              <a:solidFill>
+                <a:schemeClr val="tx1"/>
+              </a:solidFill>
+            </a:endParaRPr>
+          </a:p>
+        </p:txBody>
+      </p:sp>
+      <p:sp>
+        <p:nvSpPr>
+          <p:cNvPr id="7" name="Rectangle 6">
+            <a:extLst>
+              <a:ext uri="{FF2B5EF4-FFF2-40B4-BE49-F238E27FC236}">
+                <a16:creationId xmlns:a16="http://schemas.microsoft.com/office/drawing/2014/main" id="{AA3D4114-AA6C-47E3-BC67-F784B5E1D24B}"/>
+              </a:ext>
+            </a:extLst>
+          </p:cNvPr>
+          <p:cNvSpPr/>
+          <p:nvPr/>
+        </p:nvSpPr>
+        <p:spPr>
+          <a:xfrm>
+            <a:off x="440879" y="1057025"/>
+            <a:ext cx="2842887" cy="1738244"/>
+          </a:xfrm>
+          <a:prstGeom prst="rect">
+            <a:avLst/>
+          </a:prstGeom>
+          <a:solidFill>
+            <a:schemeClr val="bg1"/>
+          </a:solidFill>
+          <a:ln>
+            <a:solidFill>
+              <a:schemeClr val="tx1"/>
+            </a:solidFill>
+          </a:ln>
+        </p:spPr>
+        <p:style>
+          <a:lnRef idx="2">
+            <a:schemeClr val="accent1">
+              <a:shade val="50000"/>
+            </a:schemeClr>
+          </a:lnRef>
+          <a:fillRef idx="1">
+            <a:schemeClr val="accent1"/>
+          </a:fillRef>
+          <a:effectRef idx="0">
+            <a:schemeClr val="accent1"/>
+          </a:effectRef>
+          <a:fontRef idx="minor">
+            <a:schemeClr val="lt1"/>
+          </a:fontRef>
+        </p:style>
+        <p:txBody>
+          <a:bodyPr rtlCol="0" anchor="ctr"/>
+          <a:lstStyle/>
+          <a:p>
+            <a:pPr algn="ctr"/>
+            <a:r>
+              <a:rPr lang="en-US" dirty="0">
+                <a:solidFill>
+                  <a:schemeClr val="tx1"/>
+                </a:solidFill>
+              </a:rPr>
+              <a:t>Id (int)</a:t>
+            </a:r>
+          </a:p>
+          <a:p>
+            <a:pPr algn="ctr"/>
+            <a:r>
+              <a:rPr lang="en-US" b="1" dirty="0" err="1">
+                <a:solidFill>
+                  <a:schemeClr val="tx1"/>
+                </a:solidFill>
+              </a:rPr>
+              <a:t>EventId</a:t>
+            </a:r>
+            <a:r>
+              <a:rPr lang="en-US" b="1" dirty="0">
+                <a:solidFill>
+                  <a:schemeClr val="tx1"/>
+                </a:solidFill>
+              </a:rPr>
+              <a:t> (int)</a:t>
+            </a:r>
+          </a:p>
+          <a:p>
+            <a:pPr algn="ctr"/>
+            <a:r>
+              <a:rPr lang="en-US" dirty="0" err="1">
+                <a:solidFill>
+                  <a:schemeClr val="tx1"/>
+                </a:solidFill>
+              </a:rPr>
+              <a:t>UserId</a:t>
+            </a:r>
+            <a:r>
+              <a:rPr lang="en-US" dirty="0">
+                <a:solidFill>
+                  <a:schemeClr val="tx1"/>
+                </a:solidFill>
+              </a:rPr>
+              <a:t> (</a:t>
+            </a:r>
+            <a:r>
+              <a:rPr lang="en-US" dirty="0" err="1">
+                <a:solidFill>
+                  <a:schemeClr val="tx1"/>
+                </a:solidFill>
+              </a:rPr>
+              <a:t>uniqueidentifier</a:t>
+            </a:r>
+            <a:r>
+              <a:rPr lang="en-US" dirty="0">
+                <a:solidFill>
+                  <a:schemeClr val="tx1"/>
+                </a:solidFill>
+              </a:rPr>
+              <a:t>)</a:t>
+            </a:r>
+          </a:p>
+          <a:p>
+            <a:pPr algn="ctr"/>
+            <a:r>
+              <a:rPr lang="en-US" dirty="0">
+                <a:solidFill>
+                  <a:schemeClr val="tx1"/>
+                </a:solidFill>
+              </a:rPr>
+              <a:t>Comment (</a:t>
+            </a:r>
+            <a:r>
+              <a:rPr lang="en-US" dirty="0" err="1">
+                <a:solidFill>
+                  <a:schemeClr val="tx1"/>
+                </a:solidFill>
+              </a:rPr>
+              <a:t>nvarchar</a:t>
+            </a:r>
+            <a:r>
+              <a:rPr lang="en-US" dirty="0">
+                <a:solidFill>
+                  <a:schemeClr val="tx1"/>
+                </a:solidFill>
+              </a:rPr>
+              <a:t>(512))</a:t>
+            </a:r>
+          </a:p>
+          <a:p>
+            <a:pPr algn="ctr"/>
+            <a:r>
+              <a:rPr lang="en-US" dirty="0" err="1">
+                <a:solidFill>
+                  <a:schemeClr val="tx1"/>
+                </a:solidFill>
+              </a:rPr>
+              <a:t>LastModified</a:t>
+            </a:r>
+            <a:r>
+              <a:rPr lang="en-US" dirty="0">
+                <a:solidFill>
+                  <a:schemeClr val="tx1"/>
+                </a:solidFill>
+              </a:rPr>
+              <a:t> (datetime)</a:t>
+            </a:r>
+          </a:p>
+          <a:p>
+            <a:pPr algn="ctr"/>
+            <a:r>
+              <a:rPr lang="en-US" dirty="0" err="1">
+                <a:solidFill>
+                  <a:schemeClr val="tx1"/>
+                </a:solidFill>
+              </a:rPr>
+              <a:t>IsDeleted</a:t>
+            </a:r>
+            <a:r>
+              <a:rPr lang="en-US" dirty="0">
+                <a:solidFill>
+                  <a:schemeClr val="tx1"/>
+                </a:solidFill>
+              </a:rPr>
+              <a:t> (bit)</a:t>
+            </a:r>
+          </a:p>
+        </p:txBody>
+      </p:sp>
+      <p:sp>
+        <p:nvSpPr>
+          <p:cNvPr id="16" name="Rectangle 15">
+            <a:extLst>
+              <a:ext uri="{FF2B5EF4-FFF2-40B4-BE49-F238E27FC236}">
+                <a16:creationId xmlns:a16="http://schemas.microsoft.com/office/drawing/2014/main" id="{F47D2D85-D468-4A33-AF2E-A14469182F63}"/>
+              </a:ext>
+            </a:extLst>
+          </p:cNvPr>
+          <p:cNvSpPr/>
+          <p:nvPr/>
+        </p:nvSpPr>
+        <p:spPr>
+          <a:xfrm>
+            <a:off x="9050610" y="2670371"/>
+            <a:ext cx="2842889" cy="468693"/>
+          </a:xfrm>
+          <a:prstGeom prst="rect">
+            <a:avLst/>
+          </a:prstGeom>
+          <a:solidFill>
+            <a:schemeClr val="bg1"/>
+          </a:solidFill>
+          <a:ln>
+            <a:solidFill>
+              <a:schemeClr val="tx1"/>
+            </a:solidFill>
+          </a:ln>
+        </p:spPr>
+        <p:style>
+          <a:lnRef idx="2">
+            <a:schemeClr val="accent1">
+              <a:shade val="50000"/>
+            </a:schemeClr>
+          </a:lnRef>
+          <a:fillRef idx="1">
+            <a:schemeClr val="accent1"/>
+          </a:fillRef>
+          <a:effectRef idx="0">
+            <a:schemeClr val="accent1"/>
+          </a:effectRef>
+          <a:fontRef idx="minor">
+            <a:schemeClr val="lt1"/>
+          </a:fontRef>
+        </p:style>
+        <p:txBody>
+          <a:bodyPr rtlCol="0" anchor="ctr"/>
+          <a:lstStyle/>
+          <a:p>
+            <a:pPr algn="ctr"/>
+            <a:r>
+              <a:rPr lang="en-US" dirty="0" err="1">
+                <a:solidFill>
+                  <a:schemeClr val="tx1"/>
+                </a:solidFill>
+              </a:rPr>
+              <a:t>EventTypes</a:t>
+            </a:r>
+            <a:endParaRPr lang="en-US" dirty="0">
+              <a:solidFill>
+                <a:schemeClr val="tx1"/>
+              </a:solidFill>
+            </a:endParaRPr>
+          </a:p>
+        </p:txBody>
+      </p:sp>
+      <p:sp>
+        <p:nvSpPr>
+          <p:cNvPr id="17" name="Rectangle 16">
+            <a:extLst>
+              <a:ext uri="{FF2B5EF4-FFF2-40B4-BE49-F238E27FC236}">
+                <a16:creationId xmlns:a16="http://schemas.microsoft.com/office/drawing/2014/main" id="{4458298A-BA85-47B0-94F9-C6061DF271EC}"/>
+              </a:ext>
+            </a:extLst>
+          </p:cNvPr>
+          <p:cNvSpPr/>
+          <p:nvPr/>
+        </p:nvSpPr>
+        <p:spPr>
+          <a:xfrm>
+            <a:off x="9050612" y="3139064"/>
+            <a:ext cx="2842887" cy="697782"/>
+          </a:xfrm>
+          <a:prstGeom prst="rect">
+            <a:avLst/>
+          </a:prstGeom>
+          <a:solidFill>
+            <a:schemeClr val="bg1"/>
+          </a:solidFill>
+          <a:ln>
+            <a:solidFill>
+              <a:schemeClr val="tx1"/>
+            </a:solidFill>
+          </a:ln>
+        </p:spPr>
+        <p:style>
+          <a:lnRef idx="2">
+            <a:schemeClr val="accent1">
+              <a:shade val="50000"/>
+            </a:schemeClr>
+          </a:lnRef>
+          <a:fillRef idx="1">
+            <a:schemeClr val="accent1"/>
+          </a:fillRef>
+          <a:effectRef idx="0">
+            <a:schemeClr val="accent1"/>
+          </a:effectRef>
+          <a:fontRef idx="minor">
+            <a:schemeClr val="lt1"/>
+          </a:fontRef>
+        </p:style>
+        <p:txBody>
+          <a:bodyPr rtlCol="0" anchor="ctr"/>
+          <a:lstStyle/>
+          <a:p>
+            <a:pPr algn="ctr"/>
+            <a:r>
+              <a:rPr lang="en-US" b="1" dirty="0">
+                <a:solidFill>
+                  <a:schemeClr val="tx1"/>
+                </a:solidFill>
+              </a:rPr>
+              <a:t>Id (int)</a:t>
+            </a:r>
+          </a:p>
+          <a:p>
+            <a:pPr algn="ctr"/>
+            <a:r>
+              <a:rPr lang="en-US" dirty="0">
+                <a:solidFill>
+                  <a:schemeClr val="tx1"/>
+                </a:solidFill>
+              </a:rPr>
+              <a:t>Description (</a:t>
+            </a:r>
+            <a:r>
+              <a:rPr lang="en-US" dirty="0" err="1">
+                <a:solidFill>
+                  <a:schemeClr val="tx1"/>
+                </a:solidFill>
+              </a:rPr>
+              <a:t>nvarchar</a:t>
+            </a:r>
+            <a:r>
+              <a:rPr lang="en-US" dirty="0">
+                <a:solidFill>
+                  <a:schemeClr val="tx1"/>
+                </a:solidFill>
+              </a:rPr>
+              <a:t>(128))</a:t>
+            </a:r>
+          </a:p>
+        </p:txBody>
+      </p:sp>
+      <p:sp>
+        <p:nvSpPr>
+          <p:cNvPr id="20" name="Rectangle 19">
+            <a:extLst>
+              <a:ext uri="{FF2B5EF4-FFF2-40B4-BE49-F238E27FC236}">
+                <a16:creationId xmlns:a16="http://schemas.microsoft.com/office/drawing/2014/main" id="{096948A6-2018-428C-A8F5-BE7A65DA1078}"/>
+              </a:ext>
+            </a:extLst>
+          </p:cNvPr>
+          <p:cNvSpPr/>
+          <p:nvPr/>
+        </p:nvSpPr>
+        <p:spPr>
+          <a:xfrm>
+            <a:off x="9051754" y="822679"/>
+            <a:ext cx="2784451" cy="474387"/>
+          </a:xfrm>
+          <a:prstGeom prst="rect">
+            <a:avLst/>
+          </a:prstGeom>
+          <a:solidFill>
+            <a:schemeClr val="bg1"/>
+          </a:solidFill>
+          <a:ln>
+            <a:solidFill>
+              <a:schemeClr val="tx1"/>
+            </a:solidFill>
+          </a:ln>
+        </p:spPr>
+        <p:style>
+          <a:lnRef idx="2">
+            <a:schemeClr val="accent1">
+              <a:shade val="50000"/>
+            </a:schemeClr>
+          </a:lnRef>
+          <a:fillRef idx="1">
+            <a:schemeClr val="accent1"/>
+          </a:fillRef>
+          <a:effectRef idx="0">
+            <a:schemeClr val="accent1"/>
+          </a:effectRef>
+          <a:fontRef idx="minor">
+            <a:schemeClr val="lt1"/>
+          </a:fontRef>
+        </p:style>
+        <p:txBody>
+          <a:bodyPr rtlCol="0" anchor="ctr"/>
+          <a:lstStyle/>
+          <a:p>
+            <a:pPr algn="ctr"/>
+            <a:r>
+              <a:rPr lang="en-US" dirty="0">
+                <a:solidFill>
+                  <a:schemeClr val="tx1"/>
+                </a:solidFill>
+              </a:rPr>
+              <a:t>Privacy</a:t>
+            </a:r>
+          </a:p>
+        </p:txBody>
+      </p:sp>
+      <p:sp>
+        <p:nvSpPr>
+          <p:cNvPr id="21" name="Rectangle 20">
+            <a:extLst>
+              <a:ext uri="{FF2B5EF4-FFF2-40B4-BE49-F238E27FC236}">
+                <a16:creationId xmlns:a16="http://schemas.microsoft.com/office/drawing/2014/main" id="{DBE692D4-E562-4138-9EB4-D75DADFCDA59}"/>
+              </a:ext>
+            </a:extLst>
+          </p:cNvPr>
+          <p:cNvSpPr/>
+          <p:nvPr/>
+        </p:nvSpPr>
+        <p:spPr>
+          <a:xfrm>
+            <a:off x="9051182" y="1285679"/>
+            <a:ext cx="2784451" cy="926413"/>
+          </a:xfrm>
+          <a:prstGeom prst="rect">
+            <a:avLst/>
+          </a:prstGeom>
+          <a:solidFill>
+            <a:schemeClr val="bg1"/>
+          </a:solidFill>
+          <a:ln>
+            <a:solidFill>
+              <a:schemeClr val="tx1"/>
+            </a:solidFill>
+          </a:ln>
+        </p:spPr>
+        <p:style>
+          <a:lnRef idx="2">
+            <a:schemeClr val="accent1">
+              <a:shade val="50000"/>
+            </a:schemeClr>
+          </a:lnRef>
+          <a:fillRef idx="1">
+            <a:schemeClr val="accent1"/>
+          </a:fillRef>
+          <a:effectRef idx="0">
+            <a:schemeClr val="accent1"/>
+          </a:effectRef>
+          <a:fontRef idx="minor">
+            <a:schemeClr val="lt1"/>
+          </a:fontRef>
+        </p:style>
+        <p:txBody>
+          <a:bodyPr rtlCol="0" anchor="ctr"/>
+          <a:lstStyle/>
+          <a:p>
+            <a:pPr algn="ctr"/>
+            <a:r>
+              <a:rPr lang="en-US" b="1" dirty="0">
+                <a:solidFill>
+                  <a:schemeClr val="tx1"/>
+                </a:solidFill>
+              </a:rPr>
+              <a:t>Id (int)</a:t>
+            </a:r>
+          </a:p>
+          <a:p>
+            <a:pPr algn="ctr"/>
+            <a:r>
+              <a:rPr lang="en-US" dirty="0">
+                <a:solidFill>
+                  <a:schemeClr val="tx1"/>
+                </a:solidFill>
+              </a:rPr>
+              <a:t>Description (</a:t>
+            </a:r>
+            <a:r>
+              <a:rPr lang="en-US" dirty="0" err="1">
+                <a:solidFill>
+                  <a:schemeClr val="tx1"/>
+                </a:solidFill>
+              </a:rPr>
+              <a:t>nvarchar</a:t>
+            </a:r>
+            <a:r>
+              <a:rPr lang="en-US" dirty="0">
+                <a:solidFill>
+                  <a:schemeClr val="tx1"/>
+                </a:solidFill>
+              </a:rPr>
+              <a:t>(64))</a:t>
+            </a:r>
+          </a:p>
+          <a:p>
+            <a:pPr algn="ctr"/>
+            <a:endParaRPr lang="en-US" dirty="0">
+              <a:solidFill>
+                <a:schemeClr val="tx1"/>
+              </a:solidFill>
+            </a:endParaRPr>
+          </a:p>
+        </p:txBody>
+      </p:sp>
+      <p:sp>
+        <p:nvSpPr>
+          <p:cNvPr id="22" name="TextBox 21">
+            <a:extLst>
+              <a:ext uri="{FF2B5EF4-FFF2-40B4-BE49-F238E27FC236}">
+                <a16:creationId xmlns:a16="http://schemas.microsoft.com/office/drawing/2014/main" id="{99A11C7F-3ACA-4227-B695-6B4975EF170B}"/>
+              </a:ext>
+            </a:extLst>
+          </p:cNvPr>
+          <p:cNvSpPr txBox="1"/>
+          <p:nvPr/>
+        </p:nvSpPr>
+        <p:spPr>
+          <a:xfrm>
+            <a:off x="11378435" y="0"/>
+            <a:ext cx="813565" cy="369332"/>
+          </a:xfrm>
+          <a:prstGeom prst="rect">
+            <a:avLst/>
+          </a:prstGeom>
+          <a:noFill/>
+        </p:spPr>
+        <p:txBody>
+          <a:bodyPr wrap="square" rtlCol="0">
+            <a:spAutoFit/>
+          </a:bodyPr>
+          <a:lstStyle/>
+          <a:p>
+            <a:r>
+              <a:rPr lang="en-US" dirty="0"/>
+              <a:t>Events</a:t>
+            </a:r>
+          </a:p>
+        </p:txBody>
+      </p:sp>
+      <p:cxnSp>
+        <p:nvCxnSpPr>
+          <p:cNvPr id="25" name="Connector: Elbow 24">
+            <a:extLst>
+              <a:ext uri="{FF2B5EF4-FFF2-40B4-BE49-F238E27FC236}">
+                <a16:creationId xmlns:a16="http://schemas.microsoft.com/office/drawing/2014/main" id="{4DA33114-5A19-4F7B-BB7B-F1E3EDDE8B8C}"/>
               </a:ext>
             </a:extLst>
           </p:cNvPr>
@@ -5041,9 +7692,9 @@
           <p:nvPr/>
         </p:nvCxnSpPr>
         <p:spPr>
-          <a:xfrm flipV="1">
-            <a:off x="3124309" y="754878"/>
-            <a:ext cx="1579465" cy="806441"/>
+          <a:xfrm rot="10800000" flipV="1">
+            <a:off x="3284339" y="1285678"/>
+            <a:ext cx="1421159" cy="233737"/>
           </a:xfrm>
           <a:prstGeom prst="bentConnector3">
             <a:avLst/>
@@ -5069,22 +7720,20 @@
       </p:cxnSp>
       <p:cxnSp>
         <p:nvCxnSpPr>
-          <p:cNvPr id="25" name="Connector: Elbow 24">
-            <a:extLst>
-              <a:ext uri="{FF2B5EF4-FFF2-40B4-BE49-F238E27FC236}">
-                <a16:creationId xmlns:a16="http://schemas.microsoft.com/office/drawing/2014/main" id="{1E962496-CF6B-4130-B510-1A260CE09881}"/>
-              </a:ext>
-            </a:extLst>
-          </p:cNvPr>
-          <p:cNvCxnSpPr>
-            <a:cxnSpLocks/>
-          </p:cNvCxnSpPr>
+          <p:cNvPr id="28" name="Connector: Elbow 27">
+            <a:extLst>
+              <a:ext uri="{FF2B5EF4-FFF2-40B4-BE49-F238E27FC236}">
+                <a16:creationId xmlns:a16="http://schemas.microsoft.com/office/drawing/2014/main" id="{34DF5CE5-457B-467E-A38E-F79CDBD3617B}"/>
+              </a:ext>
+            </a:extLst>
+          </p:cNvPr>
+          <p:cNvCxnSpPr/>
           <p:nvPr/>
         </p:nvCxnSpPr>
         <p:spPr>
-          <a:xfrm>
-            <a:off x="3124308" y="1828799"/>
-            <a:ext cx="1578893" cy="1471291"/>
+          <a:xfrm flipV="1">
+            <a:off x="7771256" y="1525718"/>
+            <a:ext cx="1252139" cy="331877"/>
           </a:xfrm>
           <a:prstGeom prst="bentConnector3">
             <a:avLst/>
@@ -5113,7 +7762,7 @@
           <p:cNvPr id="30" name="Connector: Elbow 29">
             <a:extLst>
               <a:ext uri="{FF2B5EF4-FFF2-40B4-BE49-F238E27FC236}">
-                <a16:creationId xmlns:a16="http://schemas.microsoft.com/office/drawing/2014/main" id="{AB0554BC-973D-4F98-A833-090F5D97AE40}"/>
+                <a16:creationId xmlns:a16="http://schemas.microsoft.com/office/drawing/2014/main" id="{C6CFA769-170A-4307-96BD-5ABB552175E5}"/>
               </a:ext>
             </a:extLst>
           </p:cNvPr>
@@ -5121,9 +7770,9 @@
           <p:nvPr/>
         </p:nvCxnSpPr>
         <p:spPr>
-          <a:xfrm rot="10800000">
-            <a:off x="3124309" y="3547598"/>
-            <a:ext cx="1578893" cy="316259"/>
+          <a:xfrm>
+            <a:off x="7771256" y="2670371"/>
+            <a:ext cx="1279354" cy="609094"/>
           </a:xfrm>
           <a:prstGeom prst="bentConnector3">
             <a:avLst/>
@@ -5147,66 +7796,208 @@
           </a:fontRef>
         </p:style>
       </p:cxnSp>
+      <p:sp>
+        <p:nvSpPr>
+          <p:cNvPr id="31" name="Rectangle 30">
+            <a:extLst>
+              <a:ext uri="{FF2B5EF4-FFF2-40B4-BE49-F238E27FC236}">
+                <a16:creationId xmlns:a16="http://schemas.microsoft.com/office/drawing/2014/main" id="{91B8BC37-8285-4529-BC78-0DE63E025286}"/>
+              </a:ext>
+            </a:extLst>
+          </p:cNvPr>
+          <p:cNvSpPr/>
+          <p:nvPr/>
+        </p:nvSpPr>
+        <p:spPr>
+          <a:xfrm>
+            <a:off x="4873935" y="3599652"/>
+            <a:ext cx="2784451" cy="474387"/>
+          </a:xfrm>
+          <a:prstGeom prst="rect">
+            <a:avLst/>
+          </a:prstGeom>
+          <a:solidFill>
+            <a:schemeClr val="bg1"/>
+          </a:solidFill>
+          <a:ln>
+            <a:solidFill>
+              <a:schemeClr val="tx1"/>
+            </a:solidFill>
+          </a:ln>
+        </p:spPr>
+        <p:style>
+          <a:lnRef idx="2">
+            <a:schemeClr val="accent1">
+              <a:shade val="50000"/>
+            </a:schemeClr>
+          </a:lnRef>
+          <a:fillRef idx="1">
+            <a:schemeClr val="accent1"/>
+          </a:fillRef>
+          <a:effectRef idx="0">
+            <a:schemeClr val="accent1"/>
+          </a:effectRef>
+          <a:fontRef idx="minor">
+            <a:schemeClr val="lt1"/>
+          </a:fontRef>
+        </p:style>
+        <p:txBody>
+          <a:bodyPr rtlCol="0" anchor="ctr"/>
+          <a:lstStyle/>
+          <a:p>
+            <a:pPr algn="ctr"/>
+            <a:r>
+              <a:rPr lang="en-US" dirty="0">
+                <a:solidFill>
+                  <a:schemeClr val="tx1"/>
+                </a:solidFill>
+              </a:rPr>
+              <a:t>Users</a:t>
+            </a:r>
+          </a:p>
+        </p:txBody>
+      </p:sp>
+      <p:sp>
+        <p:nvSpPr>
+          <p:cNvPr id="32" name="Rectangle 31">
+            <a:extLst>
+              <a:ext uri="{FF2B5EF4-FFF2-40B4-BE49-F238E27FC236}">
+                <a16:creationId xmlns:a16="http://schemas.microsoft.com/office/drawing/2014/main" id="{04E15A13-ED9A-4D6A-973E-2D3031EA5EE4}"/>
+              </a:ext>
+            </a:extLst>
+          </p:cNvPr>
+          <p:cNvSpPr/>
+          <p:nvPr/>
+        </p:nvSpPr>
+        <p:spPr>
+          <a:xfrm>
+            <a:off x="4873935" y="4074039"/>
+            <a:ext cx="2784451" cy="1768853"/>
+          </a:xfrm>
+          <a:prstGeom prst="rect">
+            <a:avLst/>
+          </a:prstGeom>
+          <a:solidFill>
+            <a:schemeClr val="bg1"/>
+          </a:solidFill>
+          <a:ln>
+            <a:solidFill>
+              <a:schemeClr val="tx1"/>
+            </a:solidFill>
+          </a:ln>
+        </p:spPr>
+        <p:style>
+          <a:lnRef idx="2">
+            <a:schemeClr val="accent1">
+              <a:shade val="50000"/>
+            </a:schemeClr>
+          </a:lnRef>
+          <a:fillRef idx="1">
+            <a:schemeClr val="accent1"/>
+          </a:fillRef>
+          <a:effectRef idx="0">
+            <a:schemeClr val="accent1"/>
+          </a:effectRef>
+          <a:fontRef idx="minor">
+            <a:schemeClr val="lt1"/>
+          </a:fontRef>
+        </p:style>
+        <p:txBody>
+          <a:bodyPr rtlCol="0" anchor="ctr"/>
+          <a:lstStyle/>
+          <a:p>
+            <a:pPr algn="ctr"/>
+            <a:r>
+              <a:rPr lang="en-US" b="1" dirty="0">
+                <a:solidFill>
+                  <a:schemeClr val="tx1"/>
+                </a:solidFill>
+              </a:rPr>
+              <a:t>Id (</a:t>
+            </a:r>
+            <a:r>
+              <a:rPr lang="en-US" b="1" dirty="0" err="1">
+                <a:solidFill>
+                  <a:schemeClr val="tx1"/>
+                </a:solidFill>
+              </a:rPr>
+              <a:t>uniqueidentifier</a:t>
+            </a:r>
+            <a:r>
+              <a:rPr lang="en-US" b="1" dirty="0">
+                <a:solidFill>
+                  <a:schemeClr val="tx1"/>
+                </a:solidFill>
+              </a:rPr>
+              <a:t>)</a:t>
+            </a:r>
+          </a:p>
+          <a:p>
+            <a:pPr algn="ctr"/>
+            <a:r>
+              <a:rPr lang="en-US" dirty="0">
+                <a:solidFill>
+                  <a:schemeClr val="tx1"/>
+                </a:solidFill>
+              </a:rPr>
+              <a:t>.</a:t>
+            </a:r>
+          </a:p>
+          <a:p>
+            <a:pPr algn="ctr"/>
+            <a:r>
+              <a:rPr lang="en-US" dirty="0">
+                <a:solidFill>
+                  <a:schemeClr val="tx1"/>
+                </a:solidFill>
+              </a:rPr>
+              <a:t>.</a:t>
+            </a:r>
+          </a:p>
+          <a:p>
+            <a:pPr algn="ctr"/>
+            <a:r>
+              <a:rPr lang="en-US" dirty="0">
+                <a:solidFill>
+                  <a:schemeClr val="tx1"/>
+                </a:solidFill>
+              </a:rPr>
+              <a:t>.</a:t>
+            </a:r>
+          </a:p>
+          <a:p>
+            <a:pPr algn="ctr"/>
+            <a:endParaRPr lang="en-US" dirty="0">
+              <a:solidFill>
+                <a:schemeClr val="tx1"/>
+              </a:solidFill>
+            </a:endParaRPr>
+          </a:p>
+        </p:txBody>
+      </p:sp>
       <p:cxnSp>
         <p:nvCxnSpPr>
-          <p:cNvPr id="71" name="Connector: Elbow 70">
-            <a:extLst>
-              <a:ext uri="{FF2B5EF4-FFF2-40B4-BE49-F238E27FC236}">
-                <a16:creationId xmlns:a16="http://schemas.microsoft.com/office/drawing/2014/main" id="{1EC97E5C-63D4-417A-8761-0F5AACD13B3C}"/>
+          <p:cNvPr id="34" name="Connector: Elbow 33">
+            <a:extLst>
+              <a:ext uri="{FF2B5EF4-FFF2-40B4-BE49-F238E27FC236}">
+                <a16:creationId xmlns:a16="http://schemas.microsoft.com/office/drawing/2014/main" id="{83836D16-F376-4CE4-A765-330C9DF2E400}"/>
               </a:ext>
             </a:extLst>
           </p:cNvPr>
           <p:cNvCxnSpPr>
-            <a:stCxn id="96" idx="1"/>
+            <a:cxnSpLocks/>
           </p:cNvCxnSpPr>
           <p:nvPr/>
         </p:nvCxnSpPr>
         <p:spPr>
-          <a:xfrm rot="10800000">
-            <a:off x="7487079" y="842839"/>
-            <a:ext cx="1731972" cy="671926"/>
+          <a:xfrm rot="16200000" flipH="1">
+            <a:off x="2706269" y="2343031"/>
+            <a:ext cx="2739225" cy="1594964"/>
           </a:xfrm>
           <a:prstGeom prst="bentConnector3">
-            <a:avLst/>
-          </a:prstGeom>
-          <a:ln>
-            <a:tailEnd type="triangle"/>
-          </a:ln>
-        </p:spPr>
-        <p:style>
-          <a:lnRef idx="1">
-            <a:schemeClr val="dk1"/>
-          </a:lnRef>
-          <a:fillRef idx="0">
-            <a:schemeClr val="dk1"/>
-          </a:fillRef>
-          <a:effectRef idx="0">
-            <a:schemeClr val="dk1"/>
-          </a:effectRef>
-          <a:fontRef idx="minor">
-            <a:schemeClr val="tx1"/>
-          </a:fontRef>
-        </p:style>
-      </p:cxnSp>
-      <p:cxnSp>
-        <p:nvCxnSpPr>
-          <p:cNvPr id="80" name="Straight Arrow Connector 79">
-            <a:extLst>
-              <a:ext uri="{FF2B5EF4-FFF2-40B4-BE49-F238E27FC236}">
-                <a16:creationId xmlns:a16="http://schemas.microsoft.com/office/drawing/2014/main" id="{A13CEBF5-AF96-485D-9328-8C62127C1581}"/>
-              </a:ext>
-            </a:extLst>
-          </p:cNvPr>
-          <p:cNvCxnSpPr/>
-          <p:nvPr/>
-        </p:nvCxnSpPr>
-        <p:spPr>
-          <a:xfrm flipH="1">
-            <a:off x="7487079" y="1828799"/>
-            <a:ext cx="1731971" cy="3361967"/>
-          </a:xfrm>
-          <a:prstGeom prst="straightConnector1">
-            <a:avLst/>
+            <a:avLst>
+              <a:gd name="adj1" fmla="val 50000"/>
+            </a:avLst>
           </a:prstGeom>
           <a:ln>
             <a:tailEnd type="triangle"/>
@@ -5230,7 +8021,638 @@
     </p:spTree>
     <p:extLst>
       <p:ext uri="{BB962C8B-B14F-4D97-AF65-F5344CB8AC3E}">
-        <p14:creationId xmlns:p14="http://schemas.microsoft.com/office/powerpoint/2010/main" val="4197131243"/>
+        <p14:creationId xmlns:p14="http://schemas.microsoft.com/office/powerpoint/2010/main" val="74198808"/>
+      </p:ext>
+    </p:extLst>
+  </p:cSld>
+  <p:clrMapOvr>
+    <a:masterClrMapping/>
+  </p:clrMapOvr>
+</p:sld>
+</file>
+
+<file path=ppt/slides/slide8.xml><?xml version="1.0" encoding="utf-8"?>
+<p:sld xmlns:a="http://schemas.openxmlformats.org/drawingml/2006/main" xmlns:r="http://schemas.openxmlformats.org/officeDocument/2006/relationships" xmlns:p="http://schemas.openxmlformats.org/presentationml/2006/main">
+  <p:cSld>
+    <p:spTree>
+      <p:nvGrpSpPr>
+        <p:cNvPr id="1" name=""/>
+        <p:cNvGrpSpPr/>
+        <p:nvPr/>
+      </p:nvGrpSpPr>
+      <p:grpSpPr>
+        <a:xfrm>
+          <a:off x="0" y="0"/>
+          <a:ext cx="0" cy="0"/>
+          <a:chOff x="0" y="0"/>
+          <a:chExt cx="0" cy="0"/>
+        </a:xfrm>
+      </p:grpSpPr>
+      <p:sp>
+        <p:nvSpPr>
+          <p:cNvPr id="4" name="Rectangle 3">
+            <a:extLst>
+              <a:ext uri="{FF2B5EF4-FFF2-40B4-BE49-F238E27FC236}">
+                <a16:creationId xmlns:a16="http://schemas.microsoft.com/office/drawing/2014/main" id="{40FE1092-7786-4067-8335-DBF0C347807C}"/>
+              </a:ext>
+            </a:extLst>
+          </p:cNvPr>
+          <p:cNvSpPr/>
+          <p:nvPr/>
+        </p:nvSpPr>
+        <p:spPr>
+          <a:xfrm>
+            <a:off x="4538198" y="1793030"/>
+            <a:ext cx="2784451" cy="474387"/>
+          </a:xfrm>
+          <a:prstGeom prst="rect">
+            <a:avLst/>
+          </a:prstGeom>
+          <a:solidFill>
+            <a:schemeClr val="bg1"/>
+          </a:solidFill>
+          <a:ln>
+            <a:solidFill>
+              <a:schemeClr val="tx1"/>
+            </a:solidFill>
+          </a:ln>
+        </p:spPr>
+        <p:style>
+          <a:lnRef idx="2">
+            <a:schemeClr val="accent1">
+              <a:shade val="50000"/>
+            </a:schemeClr>
+          </a:lnRef>
+          <a:fillRef idx="1">
+            <a:schemeClr val="accent1"/>
+          </a:fillRef>
+          <a:effectRef idx="0">
+            <a:schemeClr val="accent1"/>
+          </a:effectRef>
+          <a:fontRef idx="minor">
+            <a:schemeClr val="lt1"/>
+          </a:fontRef>
+        </p:style>
+        <p:txBody>
+          <a:bodyPr rtlCol="0" anchor="ctr"/>
+          <a:lstStyle/>
+          <a:p>
+            <a:pPr algn="ctr"/>
+            <a:r>
+              <a:rPr lang="en-US" dirty="0" err="1">
+                <a:solidFill>
+                  <a:schemeClr val="tx1"/>
+                </a:solidFill>
+              </a:rPr>
+              <a:t>UserEvents</a:t>
+            </a:r>
+            <a:endParaRPr lang="en-US" dirty="0">
+              <a:solidFill>
+                <a:schemeClr val="tx1"/>
+              </a:solidFill>
+            </a:endParaRPr>
+          </a:p>
+        </p:txBody>
+      </p:sp>
+      <p:sp>
+        <p:nvSpPr>
+          <p:cNvPr id="5" name="Rectangle 4">
+            <a:extLst>
+              <a:ext uri="{FF2B5EF4-FFF2-40B4-BE49-F238E27FC236}">
+                <a16:creationId xmlns:a16="http://schemas.microsoft.com/office/drawing/2014/main" id="{09183DA1-E426-4925-87F3-727563122EA5}"/>
+              </a:ext>
+            </a:extLst>
+          </p:cNvPr>
+          <p:cNvSpPr/>
+          <p:nvPr/>
+        </p:nvSpPr>
+        <p:spPr>
+          <a:xfrm>
+            <a:off x="4537626" y="2267417"/>
+            <a:ext cx="2784451" cy="1383614"/>
+          </a:xfrm>
+          <a:prstGeom prst="rect">
+            <a:avLst/>
+          </a:prstGeom>
+          <a:solidFill>
+            <a:schemeClr val="bg1"/>
+          </a:solidFill>
+          <a:ln>
+            <a:solidFill>
+              <a:schemeClr val="tx1"/>
+            </a:solidFill>
+          </a:ln>
+        </p:spPr>
+        <p:style>
+          <a:lnRef idx="2">
+            <a:schemeClr val="accent1">
+              <a:shade val="50000"/>
+            </a:schemeClr>
+          </a:lnRef>
+          <a:fillRef idx="1">
+            <a:schemeClr val="accent1"/>
+          </a:fillRef>
+          <a:effectRef idx="0">
+            <a:schemeClr val="accent1"/>
+          </a:effectRef>
+          <a:fontRef idx="minor">
+            <a:schemeClr val="lt1"/>
+          </a:fontRef>
+        </p:style>
+        <p:txBody>
+          <a:bodyPr rtlCol="0" anchor="ctr"/>
+          <a:lstStyle/>
+          <a:p>
+            <a:pPr algn="ctr"/>
+            <a:r>
+              <a:rPr lang="en-US" dirty="0">
+                <a:solidFill>
+                  <a:schemeClr val="tx1"/>
+                </a:solidFill>
+              </a:rPr>
+              <a:t>Id (int)</a:t>
+            </a:r>
+          </a:p>
+          <a:p>
+            <a:pPr algn="ctr"/>
+            <a:r>
+              <a:rPr lang="en-US" dirty="0" err="1">
+                <a:solidFill>
+                  <a:schemeClr val="tx1"/>
+                </a:solidFill>
+              </a:rPr>
+              <a:t>UserId</a:t>
+            </a:r>
+            <a:r>
+              <a:rPr lang="en-US" dirty="0">
+                <a:solidFill>
+                  <a:schemeClr val="tx1"/>
+                </a:solidFill>
+              </a:rPr>
+              <a:t> (</a:t>
+            </a:r>
+            <a:r>
+              <a:rPr lang="en-US" dirty="0" err="1">
+                <a:solidFill>
+                  <a:schemeClr val="tx1"/>
+                </a:solidFill>
+              </a:rPr>
+              <a:t>uniqueidentifier</a:t>
+            </a:r>
+            <a:r>
+              <a:rPr lang="en-US" dirty="0">
+                <a:solidFill>
+                  <a:schemeClr val="tx1"/>
+                </a:solidFill>
+              </a:rPr>
+              <a:t>)</a:t>
+            </a:r>
+          </a:p>
+          <a:p>
+            <a:pPr algn="ctr"/>
+            <a:r>
+              <a:rPr lang="en-US" dirty="0" err="1">
+                <a:solidFill>
+                  <a:schemeClr val="tx1"/>
+                </a:solidFill>
+              </a:rPr>
+              <a:t>EventId</a:t>
+            </a:r>
+            <a:r>
+              <a:rPr lang="en-US" dirty="0">
+                <a:solidFill>
+                  <a:schemeClr val="tx1"/>
+                </a:solidFill>
+              </a:rPr>
+              <a:t> (int)</a:t>
+            </a:r>
+          </a:p>
+          <a:p>
+            <a:pPr algn="ctr"/>
+            <a:endParaRPr lang="en-US" dirty="0">
+              <a:solidFill>
+                <a:schemeClr val="tx1"/>
+              </a:solidFill>
+            </a:endParaRPr>
+          </a:p>
+        </p:txBody>
+      </p:sp>
+      <p:sp>
+        <p:nvSpPr>
+          <p:cNvPr id="6" name="Rectangle 5">
+            <a:extLst>
+              <a:ext uri="{FF2B5EF4-FFF2-40B4-BE49-F238E27FC236}">
+                <a16:creationId xmlns:a16="http://schemas.microsoft.com/office/drawing/2014/main" id="{FB5D8FC0-484A-48DB-B07F-4D64A24E3364}"/>
+              </a:ext>
+            </a:extLst>
+          </p:cNvPr>
+          <p:cNvSpPr/>
+          <p:nvPr/>
+        </p:nvSpPr>
+        <p:spPr>
+          <a:xfrm>
+            <a:off x="8402056" y="1555837"/>
+            <a:ext cx="3065188" cy="468693"/>
+          </a:xfrm>
+          <a:prstGeom prst="rect">
+            <a:avLst/>
+          </a:prstGeom>
+          <a:solidFill>
+            <a:schemeClr val="bg1"/>
+          </a:solidFill>
+          <a:ln>
+            <a:solidFill>
+              <a:schemeClr val="tx1"/>
+            </a:solidFill>
+          </a:ln>
+        </p:spPr>
+        <p:style>
+          <a:lnRef idx="2">
+            <a:schemeClr val="accent1">
+              <a:shade val="50000"/>
+            </a:schemeClr>
+          </a:lnRef>
+          <a:fillRef idx="1">
+            <a:schemeClr val="accent1"/>
+          </a:fillRef>
+          <a:effectRef idx="0">
+            <a:schemeClr val="accent1"/>
+          </a:effectRef>
+          <a:fontRef idx="minor">
+            <a:schemeClr val="lt1"/>
+          </a:fontRef>
+        </p:style>
+        <p:txBody>
+          <a:bodyPr rtlCol="0" anchor="ctr"/>
+          <a:lstStyle/>
+          <a:p>
+            <a:pPr algn="ctr"/>
+            <a:r>
+              <a:rPr lang="en-US" dirty="0">
+                <a:solidFill>
+                  <a:schemeClr val="tx1"/>
+                </a:solidFill>
+              </a:rPr>
+              <a:t>Events</a:t>
+            </a:r>
+          </a:p>
+        </p:txBody>
+      </p:sp>
+      <p:sp>
+        <p:nvSpPr>
+          <p:cNvPr id="7" name="Rectangle 6">
+            <a:extLst>
+              <a:ext uri="{FF2B5EF4-FFF2-40B4-BE49-F238E27FC236}">
+                <a16:creationId xmlns:a16="http://schemas.microsoft.com/office/drawing/2014/main" id="{C0831B6F-F2C4-4DDF-AC3D-D03BBE61B022}"/>
+              </a:ext>
+            </a:extLst>
+          </p:cNvPr>
+          <p:cNvSpPr/>
+          <p:nvPr/>
+        </p:nvSpPr>
+        <p:spPr>
+          <a:xfrm>
+            <a:off x="8402057" y="2024530"/>
+            <a:ext cx="3065188" cy="2086834"/>
+          </a:xfrm>
+          <a:prstGeom prst="rect">
+            <a:avLst/>
+          </a:prstGeom>
+          <a:solidFill>
+            <a:schemeClr val="bg1"/>
+          </a:solidFill>
+          <a:ln>
+            <a:solidFill>
+              <a:schemeClr val="tx1"/>
+            </a:solidFill>
+          </a:ln>
+        </p:spPr>
+        <p:style>
+          <a:lnRef idx="2">
+            <a:schemeClr val="accent1">
+              <a:shade val="50000"/>
+            </a:schemeClr>
+          </a:lnRef>
+          <a:fillRef idx="1">
+            <a:schemeClr val="accent1"/>
+          </a:fillRef>
+          <a:effectRef idx="0">
+            <a:schemeClr val="accent1"/>
+          </a:effectRef>
+          <a:fontRef idx="minor">
+            <a:schemeClr val="lt1"/>
+          </a:fontRef>
+        </p:style>
+        <p:txBody>
+          <a:bodyPr rtlCol="0" anchor="ctr"/>
+          <a:lstStyle/>
+          <a:p>
+            <a:pPr algn="ctr"/>
+            <a:r>
+              <a:rPr lang="en-US" b="1" dirty="0">
+                <a:solidFill>
+                  <a:schemeClr val="tx1"/>
+                </a:solidFill>
+              </a:rPr>
+              <a:t>Id (int)</a:t>
+            </a:r>
+          </a:p>
+          <a:p>
+            <a:pPr algn="ctr"/>
+            <a:r>
+              <a:rPr lang="en-US" dirty="0">
+                <a:solidFill>
+                  <a:schemeClr val="tx1"/>
+                </a:solidFill>
+              </a:rPr>
+              <a:t>.</a:t>
+            </a:r>
+          </a:p>
+          <a:p>
+            <a:pPr algn="ctr"/>
+            <a:r>
+              <a:rPr lang="en-US" dirty="0">
+                <a:solidFill>
+                  <a:schemeClr val="tx1"/>
+                </a:solidFill>
+              </a:rPr>
+              <a:t>.</a:t>
+            </a:r>
+          </a:p>
+          <a:p>
+            <a:pPr algn="ctr"/>
+            <a:r>
+              <a:rPr lang="en-US" dirty="0">
+                <a:solidFill>
+                  <a:schemeClr val="tx1"/>
+                </a:solidFill>
+              </a:rPr>
+              <a:t>.</a:t>
+            </a:r>
+          </a:p>
+        </p:txBody>
+      </p:sp>
+      <p:sp>
+        <p:nvSpPr>
+          <p:cNvPr id="8" name="Rectangle 7">
+            <a:extLst>
+              <a:ext uri="{FF2B5EF4-FFF2-40B4-BE49-F238E27FC236}">
+                <a16:creationId xmlns:a16="http://schemas.microsoft.com/office/drawing/2014/main" id="{67E65489-E195-48CD-8BED-9F7F593F368E}"/>
+              </a:ext>
+            </a:extLst>
+          </p:cNvPr>
+          <p:cNvSpPr/>
+          <p:nvPr/>
+        </p:nvSpPr>
+        <p:spPr>
+          <a:xfrm>
+            <a:off x="563193" y="1555837"/>
+            <a:ext cx="2784451" cy="474387"/>
+          </a:xfrm>
+          <a:prstGeom prst="rect">
+            <a:avLst/>
+          </a:prstGeom>
+          <a:solidFill>
+            <a:schemeClr val="bg1"/>
+          </a:solidFill>
+          <a:ln>
+            <a:solidFill>
+              <a:schemeClr val="tx1"/>
+            </a:solidFill>
+          </a:ln>
+        </p:spPr>
+        <p:style>
+          <a:lnRef idx="2">
+            <a:schemeClr val="accent1">
+              <a:shade val="50000"/>
+            </a:schemeClr>
+          </a:lnRef>
+          <a:fillRef idx="1">
+            <a:schemeClr val="accent1"/>
+          </a:fillRef>
+          <a:effectRef idx="0">
+            <a:schemeClr val="accent1"/>
+          </a:effectRef>
+          <a:fontRef idx="minor">
+            <a:schemeClr val="lt1"/>
+          </a:fontRef>
+        </p:style>
+        <p:txBody>
+          <a:bodyPr rtlCol="0" anchor="ctr"/>
+          <a:lstStyle/>
+          <a:p>
+            <a:pPr algn="ctr"/>
+            <a:r>
+              <a:rPr lang="en-US" dirty="0">
+                <a:solidFill>
+                  <a:schemeClr val="tx1"/>
+                </a:solidFill>
+              </a:rPr>
+              <a:t>Users</a:t>
+            </a:r>
+          </a:p>
+        </p:txBody>
+      </p:sp>
+      <p:sp>
+        <p:nvSpPr>
+          <p:cNvPr id="9" name="Rectangle 8">
+            <a:extLst>
+              <a:ext uri="{FF2B5EF4-FFF2-40B4-BE49-F238E27FC236}">
+                <a16:creationId xmlns:a16="http://schemas.microsoft.com/office/drawing/2014/main" id="{66AFDD01-254A-49C9-9347-CE0166DF0C19}"/>
+              </a:ext>
+            </a:extLst>
+          </p:cNvPr>
+          <p:cNvSpPr/>
+          <p:nvPr/>
+        </p:nvSpPr>
+        <p:spPr>
+          <a:xfrm>
+            <a:off x="562621" y="2018836"/>
+            <a:ext cx="2784451" cy="1768853"/>
+          </a:xfrm>
+          <a:prstGeom prst="rect">
+            <a:avLst/>
+          </a:prstGeom>
+          <a:solidFill>
+            <a:schemeClr val="bg1"/>
+          </a:solidFill>
+          <a:ln>
+            <a:solidFill>
+              <a:schemeClr val="tx1"/>
+            </a:solidFill>
+          </a:ln>
+        </p:spPr>
+        <p:style>
+          <a:lnRef idx="2">
+            <a:schemeClr val="accent1">
+              <a:shade val="50000"/>
+            </a:schemeClr>
+          </a:lnRef>
+          <a:fillRef idx="1">
+            <a:schemeClr val="accent1"/>
+          </a:fillRef>
+          <a:effectRef idx="0">
+            <a:schemeClr val="accent1"/>
+          </a:effectRef>
+          <a:fontRef idx="minor">
+            <a:schemeClr val="lt1"/>
+          </a:fontRef>
+        </p:style>
+        <p:txBody>
+          <a:bodyPr rtlCol="0" anchor="ctr"/>
+          <a:lstStyle/>
+          <a:p>
+            <a:pPr algn="ctr"/>
+            <a:r>
+              <a:rPr lang="en-US" b="1" dirty="0">
+                <a:solidFill>
+                  <a:schemeClr val="tx1"/>
+                </a:solidFill>
+              </a:rPr>
+              <a:t>Id (</a:t>
+            </a:r>
+            <a:r>
+              <a:rPr lang="en-US" b="1" dirty="0" err="1">
+                <a:solidFill>
+                  <a:schemeClr val="tx1"/>
+                </a:solidFill>
+              </a:rPr>
+              <a:t>uniqueidentifier</a:t>
+            </a:r>
+            <a:r>
+              <a:rPr lang="en-US" b="1" dirty="0">
+                <a:solidFill>
+                  <a:schemeClr val="tx1"/>
+                </a:solidFill>
+              </a:rPr>
+              <a:t>)</a:t>
+            </a:r>
+          </a:p>
+          <a:p>
+            <a:pPr algn="ctr"/>
+            <a:r>
+              <a:rPr lang="en-US" dirty="0">
+                <a:solidFill>
+                  <a:schemeClr val="tx1"/>
+                </a:solidFill>
+              </a:rPr>
+              <a:t>.</a:t>
+            </a:r>
+          </a:p>
+          <a:p>
+            <a:pPr algn="ctr"/>
+            <a:r>
+              <a:rPr lang="en-US" dirty="0">
+                <a:solidFill>
+                  <a:schemeClr val="tx1"/>
+                </a:solidFill>
+              </a:rPr>
+              <a:t>.</a:t>
+            </a:r>
+          </a:p>
+          <a:p>
+            <a:pPr algn="ctr"/>
+            <a:r>
+              <a:rPr lang="en-US" dirty="0">
+                <a:solidFill>
+                  <a:schemeClr val="tx1"/>
+                </a:solidFill>
+              </a:rPr>
+              <a:t>.</a:t>
+            </a:r>
+          </a:p>
+          <a:p>
+            <a:pPr algn="ctr"/>
+            <a:endParaRPr lang="en-US" dirty="0">
+              <a:solidFill>
+                <a:schemeClr val="tx1"/>
+              </a:solidFill>
+            </a:endParaRPr>
+          </a:p>
+        </p:txBody>
+      </p:sp>
+      <p:cxnSp>
+        <p:nvCxnSpPr>
+          <p:cNvPr id="11" name="Connector: Elbow 10">
+            <a:extLst>
+              <a:ext uri="{FF2B5EF4-FFF2-40B4-BE49-F238E27FC236}">
+                <a16:creationId xmlns:a16="http://schemas.microsoft.com/office/drawing/2014/main" id="{5EEFCCF1-C06E-4096-A3EB-C6C8DD53382E}"/>
+              </a:ext>
+            </a:extLst>
+          </p:cNvPr>
+          <p:cNvCxnSpPr/>
+          <p:nvPr/>
+        </p:nvCxnSpPr>
+        <p:spPr>
+          <a:xfrm rot="10800000">
+            <a:off x="3347072" y="2365065"/>
+            <a:ext cx="1190554" cy="474388"/>
+          </a:xfrm>
+          <a:prstGeom prst="bentConnector3">
+            <a:avLst/>
+          </a:prstGeom>
+          <a:ln>
+            <a:tailEnd type="triangle"/>
+          </a:ln>
+        </p:spPr>
+        <p:style>
+          <a:lnRef idx="1">
+            <a:schemeClr val="dk1"/>
+          </a:lnRef>
+          <a:fillRef idx="0">
+            <a:schemeClr val="dk1"/>
+          </a:fillRef>
+          <a:effectRef idx="0">
+            <a:schemeClr val="dk1"/>
+          </a:effectRef>
+          <a:fontRef idx="minor">
+            <a:schemeClr val="tx1"/>
+          </a:fontRef>
+        </p:style>
+      </p:cxnSp>
+      <p:cxnSp>
+        <p:nvCxnSpPr>
+          <p:cNvPr id="13" name="Connector: Elbow 12">
+            <a:extLst>
+              <a:ext uri="{FF2B5EF4-FFF2-40B4-BE49-F238E27FC236}">
+                <a16:creationId xmlns:a16="http://schemas.microsoft.com/office/drawing/2014/main" id="{14418B6C-0996-474B-BBDA-21ABBFAB639D}"/>
+              </a:ext>
+            </a:extLst>
+          </p:cNvPr>
+          <p:cNvCxnSpPr/>
+          <p:nvPr/>
+        </p:nvCxnSpPr>
+        <p:spPr>
+          <a:xfrm flipV="1">
+            <a:off x="7322077" y="2653823"/>
+            <a:ext cx="1079979" cy="501888"/>
+          </a:xfrm>
+          <a:prstGeom prst="bentConnector3">
+            <a:avLst/>
+          </a:prstGeom>
+          <a:ln>
+            <a:tailEnd type="triangle"/>
+          </a:ln>
+        </p:spPr>
+        <p:style>
+          <a:lnRef idx="1">
+            <a:schemeClr val="dk1"/>
+          </a:lnRef>
+          <a:fillRef idx="0">
+            <a:schemeClr val="dk1"/>
+          </a:fillRef>
+          <a:effectRef idx="0">
+            <a:schemeClr val="dk1"/>
+          </a:effectRef>
+          <a:fontRef idx="minor">
+            <a:schemeClr val="tx1"/>
+          </a:fontRef>
+        </p:style>
+      </p:cxnSp>
+    </p:spTree>
+    <p:extLst>
+      <p:ext uri="{BB962C8B-B14F-4D97-AF65-F5344CB8AC3E}">
+        <p14:creationId xmlns:p14="http://schemas.microsoft.com/office/powerpoint/2010/main" val="1987685744"/>
       </p:ext>
     </p:extLst>
   </p:cSld>
